--- a/doc/ACH_DOC.pptx
+++ b/doc/ACH_DOC.pptx
@@ -6,6 +6,7 @@
   </p:sldMasterIdLst>
   <p:sldIdLst>
     <p:sldId id="256" r:id="rId2"/>
+    <p:sldId id="257" r:id="rId3"/>
   </p:sldIdLst>
   <p:sldSz cx="9144000" cy="6858000" type="screen4x3"/>
   <p:notesSz cx="6858000" cy="9144000"/>
@@ -288,7 +289,7 @@
           <a:p>
             <a:fld id="{154D1BEB-9A9C-406A-9C8D-56A58EE1116F}" type="datetimeFigureOut">
               <a:rPr lang="en-US" smtClean="0"/>
-              <a:t>8/10/2012</a:t>
+              <a:t>8/12/2012</a:t>
             </a:fld>
             <a:endParaRPr lang="en-US"/>
           </a:p>
@@ -458,7 +459,7 @@
           <a:p>
             <a:fld id="{154D1BEB-9A9C-406A-9C8D-56A58EE1116F}" type="datetimeFigureOut">
               <a:rPr lang="en-US" smtClean="0"/>
-              <a:t>8/10/2012</a:t>
+              <a:t>8/12/2012</a:t>
             </a:fld>
             <a:endParaRPr lang="en-US"/>
           </a:p>
@@ -638,7 +639,7 @@
           <a:p>
             <a:fld id="{154D1BEB-9A9C-406A-9C8D-56A58EE1116F}" type="datetimeFigureOut">
               <a:rPr lang="en-US" smtClean="0"/>
-              <a:t>8/10/2012</a:t>
+              <a:t>8/12/2012</a:t>
             </a:fld>
             <a:endParaRPr lang="en-US"/>
           </a:p>
@@ -808,7 +809,7 @@
           <a:p>
             <a:fld id="{154D1BEB-9A9C-406A-9C8D-56A58EE1116F}" type="datetimeFigureOut">
               <a:rPr lang="en-US" smtClean="0"/>
-              <a:t>8/10/2012</a:t>
+              <a:t>8/12/2012</a:t>
             </a:fld>
             <a:endParaRPr lang="en-US"/>
           </a:p>
@@ -1054,7 +1055,7 @@
           <a:p>
             <a:fld id="{154D1BEB-9A9C-406A-9C8D-56A58EE1116F}" type="datetimeFigureOut">
               <a:rPr lang="en-US" smtClean="0"/>
-              <a:t>8/10/2012</a:t>
+              <a:t>8/12/2012</a:t>
             </a:fld>
             <a:endParaRPr lang="en-US"/>
           </a:p>
@@ -1342,7 +1343,7 @@
           <a:p>
             <a:fld id="{154D1BEB-9A9C-406A-9C8D-56A58EE1116F}" type="datetimeFigureOut">
               <a:rPr lang="en-US" smtClean="0"/>
-              <a:t>8/10/2012</a:t>
+              <a:t>8/12/2012</a:t>
             </a:fld>
             <a:endParaRPr lang="en-US"/>
           </a:p>
@@ -1764,7 +1765,7 @@
           <a:p>
             <a:fld id="{154D1BEB-9A9C-406A-9C8D-56A58EE1116F}" type="datetimeFigureOut">
               <a:rPr lang="en-US" smtClean="0"/>
-              <a:t>8/10/2012</a:t>
+              <a:t>8/12/2012</a:t>
             </a:fld>
             <a:endParaRPr lang="en-US"/>
           </a:p>
@@ -1882,7 +1883,7 @@
           <a:p>
             <a:fld id="{154D1BEB-9A9C-406A-9C8D-56A58EE1116F}" type="datetimeFigureOut">
               <a:rPr lang="en-US" smtClean="0"/>
-              <a:t>8/10/2012</a:t>
+              <a:t>8/12/2012</a:t>
             </a:fld>
             <a:endParaRPr lang="en-US"/>
           </a:p>
@@ -1977,7 +1978,7 @@
           <a:p>
             <a:fld id="{154D1BEB-9A9C-406A-9C8D-56A58EE1116F}" type="datetimeFigureOut">
               <a:rPr lang="en-US" smtClean="0"/>
-              <a:t>8/10/2012</a:t>
+              <a:t>8/12/2012</a:t>
             </a:fld>
             <a:endParaRPr lang="en-US"/>
           </a:p>
@@ -2254,7 +2255,7 @@
           <a:p>
             <a:fld id="{154D1BEB-9A9C-406A-9C8D-56A58EE1116F}" type="datetimeFigureOut">
               <a:rPr lang="en-US" smtClean="0"/>
-              <a:t>8/10/2012</a:t>
+              <a:t>8/12/2012</a:t>
             </a:fld>
             <a:endParaRPr lang="en-US"/>
           </a:p>
@@ -2507,7 +2508,7 @@
           <a:p>
             <a:fld id="{154D1BEB-9A9C-406A-9C8D-56A58EE1116F}" type="datetimeFigureOut">
               <a:rPr lang="en-US" smtClean="0"/>
-              <a:t>8/10/2012</a:t>
+              <a:t>8/12/2012</a:t>
             </a:fld>
             <a:endParaRPr lang="en-US"/>
           </a:p>
@@ -2720,7 +2721,7 @@
           <a:p>
             <a:fld id="{154D1BEB-9A9C-406A-9C8D-56A58EE1116F}" type="datetimeFigureOut">
               <a:rPr lang="en-US" smtClean="0"/>
-              <a:t>8/10/2012</a:t>
+              <a:t>8/12/2012</a:t>
             </a:fld>
             <a:endParaRPr lang="en-US"/>
           </a:p>
@@ -3097,447 +3098,18 @@
       </p:grpSpPr>
       <p:grpSp>
         <p:nvGrpSpPr>
-          <p:cNvPr id="38" name="Group 37"/>
+          <p:cNvPr id="20" name="Group 19"/>
           <p:cNvGrpSpPr/>
           <p:nvPr/>
         </p:nvGrpSpPr>
         <p:grpSpPr>
           <a:xfrm>
             <a:off x="594360" y="76200"/>
-            <a:ext cx="7559040" cy="5906271"/>
+            <a:ext cx="7559040" cy="6477000"/>
             <a:chOff x="594360" y="76200"/>
-            <a:chExt cx="7559040" cy="5906271"/>
+            <a:chExt cx="7559040" cy="6477000"/>
           </a:xfrm>
         </p:grpSpPr>
-        <p:grpSp>
-          <p:nvGrpSpPr>
-            <p:cNvPr id="2" name="Group 1"/>
-            <p:cNvGrpSpPr/>
-            <p:nvPr/>
-          </p:nvGrpSpPr>
-          <p:grpSpPr>
-            <a:xfrm>
-              <a:off x="2971800" y="685800"/>
-              <a:ext cx="2560320" cy="5029200"/>
-              <a:chOff x="2971800" y="685800"/>
-              <a:chExt cx="2560320" cy="5029200"/>
-            </a:xfrm>
-          </p:grpSpPr>
-          <p:sp>
-            <p:nvSpPr>
-              <p:cNvPr id="7" name="Rectangle 6"/>
-              <p:cNvSpPr/>
-              <p:nvPr/>
-            </p:nvSpPr>
-            <p:spPr>
-              <a:xfrm>
-                <a:off x="2971800" y="685800"/>
-                <a:ext cx="2560320" cy="5029200"/>
-              </a:xfrm>
-              <a:prstGeom prst="rect">
-                <a:avLst/>
-              </a:prstGeom>
-            </p:spPr>
-            <p:style>
-              <a:lnRef idx="2">
-                <a:schemeClr val="accent1">
-                  <a:shade val="50000"/>
-                </a:schemeClr>
-              </a:lnRef>
-              <a:fillRef idx="1">
-                <a:schemeClr val="accent1"/>
-              </a:fillRef>
-              <a:effectRef idx="0">
-                <a:schemeClr val="accent1"/>
-              </a:effectRef>
-              <a:fontRef idx="minor">
-                <a:schemeClr val="lt1"/>
-              </a:fontRef>
-            </p:style>
-            <p:txBody>
-              <a:bodyPr rtlCol="0" anchor="t"/>
-              <a:lstStyle/>
-              <a:p>
-                <a:r>
-                  <a:rPr lang="en-US" dirty="0" smtClean="0"/>
-                  <a:t>Ledger</a:t>
-                </a:r>
-              </a:p>
-            </p:txBody>
-          </p:sp>
-          <p:sp>
-            <p:nvSpPr>
-              <p:cNvPr id="8" name="Rectangle 7"/>
-              <p:cNvSpPr/>
-              <p:nvPr/>
-            </p:nvSpPr>
-            <p:spPr>
-              <a:xfrm>
-                <a:off x="3063240" y="1075426"/>
-                <a:ext cx="2377440" cy="2353574"/>
-              </a:xfrm>
-              <a:prstGeom prst="rect">
-                <a:avLst/>
-              </a:prstGeom>
-            </p:spPr>
-            <p:style>
-              <a:lnRef idx="1">
-                <a:schemeClr val="accent5"/>
-              </a:lnRef>
-              <a:fillRef idx="2">
-                <a:schemeClr val="accent5"/>
-              </a:fillRef>
-              <a:effectRef idx="1">
-                <a:schemeClr val="accent5"/>
-              </a:effectRef>
-              <a:fontRef idx="minor">
-                <a:schemeClr val="dk1"/>
-              </a:fontRef>
-            </p:style>
-            <p:txBody>
-              <a:bodyPr rtlCol="0" anchor="t"/>
-              <a:lstStyle/>
-              <a:p>
-                <a:r>
-                  <a:rPr lang="en-US" sz="1600" dirty="0" smtClean="0"/>
-                  <a:t>Balance</a:t>
-                </a:r>
-              </a:p>
-            </p:txBody>
-          </p:sp>
-          <p:sp>
-            <p:nvSpPr>
-              <p:cNvPr id="9" name="Rectangle 8"/>
-              <p:cNvSpPr/>
-              <p:nvPr/>
-            </p:nvSpPr>
-            <p:spPr>
-              <a:xfrm>
-                <a:off x="3063240" y="3513826"/>
-                <a:ext cx="2377440" cy="600974"/>
-              </a:xfrm>
-              <a:prstGeom prst="rect">
-                <a:avLst/>
-              </a:prstGeom>
-            </p:spPr>
-            <p:style>
-              <a:lnRef idx="1">
-                <a:schemeClr val="accent5"/>
-              </a:lnRef>
-              <a:fillRef idx="2">
-                <a:schemeClr val="accent5"/>
-              </a:fillRef>
-              <a:effectRef idx="1">
-                <a:schemeClr val="accent5"/>
-              </a:effectRef>
-              <a:fontRef idx="minor">
-                <a:schemeClr val="dk1"/>
-              </a:fontRef>
-            </p:style>
-            <p:txBody>
-              <a:bodyPr rtlCol="0" anchor="ctr"/>
-              <a:lstStyle/>
-              <a:p>
-                <a:pPr algn="ctr"/>
-                <a:r>
-                  <a:rPr lang="en-US" dirty="0" smtClean="0"/>
-                  <a:t>Cost</a:t>
-                </a:r>
-              </a:p>
-            </p:txBody>
-          </p:sp>
-          <p:sp>
-            <p:nvSpPr>
-              <p:cNvPr id="10" name="Rectangle 9"/>
-              <p:cNvSpPr/>
-              <p:nvPr/>
-            </p:nvSpPr>
-            <p:spPr>
-              <a:xfrm>
-                <a:off x="3063240" y="4199626"/>
-                <a:ext cx="2377440" cy="600974"/>
-              </a:xfrm>
-              <a:prstGeom prst="rect">
-                <a:avLst/>
-              </a:prstGeom>
-            </p:spPr>
-            <p:style>
-              <a:lnRef idx="1">
-                <a:schemeClr val="accent5"/>
-              </a:lnRef>
-              <a:fillRef idx="2">
-                <a:schemeClr val="accent5"/>
-              </a:fillRef>
-              <a:effectRef idx="1">
-                <a:schemeClr val="accent5"/>
-              </a:effectRef>
-              <a:fontRef idx="minor">
-                <a:schemeClr val="dk1"/>
-              </a:fontRef>
-            </p:style>
-            <p:txBody>
-              <a:bodyPr rtlCol="0" anchor="ctr"/>
-              <a:lstStyle/>
-              <a:p>
-                <a:pPr algn="ctr"/>
-                <a:r>
-                  <a:rPr lang="en-US" dirty="0" smtClean="0"/>
-                  <a:t>Revenue</a:t>
-                </a:r>
-              </a:p>
-            </p:txBody>
-          </p:sp>
-          <p:sp>
-            <p:nvSpPr>
-              <p:cNvPr id="11" name="Rectangle 10"/>
-              <p:cNvSpPr/>
-              <p:nvPr/>
-            </p:nvSpPr>
-            <p:spPr>
-              <a:xfrm>
-                <a:off x="3154680" y="1371600"/>
-                <a:ext cx="2194560" cy="385313"/>
-              </a:xfrm>
-              <a:prstGeom prst="rect">
-                <a:avLst/>
-              </a:prstGeom>
-            </p:spPr>
-            <p:style>
-              <a:lnRef idx="1">
-                <a:schemeClr val="accent1"/>
-              </a:lnRef>
-              <a:fillRef idx="2">
-                <a:schemeClr val="accent1"/>
-              </a:fillRef>
-              <a:effectRef idx="1">
-                <a:schemeClr val="accent1"/>
-              </a:effectRef>
-              <a:fontRef idx="minor">
-                <a:schemeClr val="dk1"/>
-              </a:fontRef>
-            </p:style>
-            <p:txBody>
-              <a:bodyPr rtlCol="0" anchor="ctr"/>
-              <a:lstStyle/>
-              <a:p>
-                <a:pPr algn="ctr"/>
-                <a:r>
-                  <a:rPr lang="en-US" sz="1400" dirty="0" smtClean="0"/>
-                  <a:t>Cash</a:t>
-                </a:r>
-                <a:endParaRPr lang="en-US" sz="1400" dirty="0"/>
-              </a:p>
-            </p:txBody>
-          </p:sp>
-          <p:sp>
-            <p:nvSpPr>
-              <p:cNvPr id="13" name="Rectangle 12"/>
-              <p:cNvSpPr/>
-              <p:nvPr/>
-            </p:nvSpPr>
-            <p:spPr>
-              <a:xfrm>
-                <a:off x="3154680" y="1752600"/>
-                <a:ext cx="2194560" cy="385313"/>
-              </a:xfrm>
-              <a:prstGeom prst="rect">
-                <a:avLst/>
-              </a:prstGeom>
-            </p:spPr>
-            <p:style>
-              <a:lnRef idx="1">
-                <a:schemeClr val="accent1"/>
-              </a:lnRef>
-              <a:fillRef idx="2">
-                <a:schemeClr val="accent1"/>
-              </a:fillRef>
-              <a:effectRef idx="1">
-                <a:schemeClr val="accent1"/>
-              </a:effectRef>
-              <a:fontRef idx="minor">
-                <a:schemeClr val="dk1"/>
-              </a:fontRef>
-            </p:style>
-            <p:txBody>
-              <a:bodyPr rtlCol="0" anchor="ctr"/>
-              <a:lstStyle/>
-              <a:p>
-                <a:pPr algn="ctr"/>
-                <a:r>
-                  <a:rPr lang="en-US" sz="1400" dirty="0" smtClean="0"/>
-                  <a:t>Bank Account</a:t>
-                </a:r>
-                <a:endParaRPr lang="en-US" sz="1400" dirty="0"/>
-              </a:p>
-            </p:txBody>
-          </p:sp>
-          <p:sp>
-            <p:nvSpPr>
-              <p:cNvPr id="14" name="Rectangle 13"/>
-              <p:cNvSpPr/>
-              <p:nvPr/>
-            </p:nvSpPr>
-            <p:spPr>
-              <a:xfrm>
-                <a:off x="3154680" y="2523226"/>
-                <a:ext cx="2194560" cy="385313"/>
-              </a:xfrm>
-              <a:prstGeom prst="rect">
-                <a:avLst/>
-              </a:prstGeom>
-            </p:spPr>
-            <p:style>
-              <a:lnRef idx="1">
-                <a:schemeClr val="accent1"/>
-              </a:lnRef>
-              <a:fillRef idx="2">
-                <a:schemeClr val="accent1"/>
-              </a:fillRef>
-              <a:effectRef idx="1">
-                <a:schemeClr val="accent1"/>
-              </a:effectRef>
-              <a:fontRef idx="minor">
-                <a:schemeClr val="dk1"/>
-              </a:fontRef>
-            </p:style>
-            <p:txBody>
-              <a:bodyPr rtlCol="0" anchor="ctr"/>
-              <a:lstStyle/>
-              <a:p>
-                <a:pPr algn="ctr"/>
-                <a:r>
-                  <a:rPr lang="en-US" sz="1400" dirty="0" smtClean="0"/>
-                  <a:t>Fixed Assets (Consumed)</a:t>
-                </a:r>
-                <a:endParaRPr lang="en-US" sz="1400" dirty="0"/>
-              </a:p>
-            </p:txBody>
-          </p:sp>
-          <p:sp>
-            <p:nvSpPr>
-              <p:cNvPr id="12" name="Rectangle 11"/>
-              <p:cNvSpPr/>
-              <p:nvPr/>
-            </p:nvSpPr>
-            <p:spPr>
-              <a:xfrm>
-                <a:off x="3154680" y="2137913"/>
-                <a:ext cx="2194560" cy="385313"/>
-              </a:xfrm>
-              <a:prstGeom prst="rect">
-                <a:avLst/>
-              </a:prstGeom>
-            </p:spPr>
-            <p:style>
-              <a:lnRef idx="1">
-                <a:schemeClr val="accent1"/>
-              </a:lnRef>
-              <a:fillRef idx="2">
-                <a:schemeClr val="accent1"/>
-              </a:fillRef>
-              <a:effectRef idx="1">
-                <a:schemeClr val="accent1"/>
-              </a:effectRef>
-              <a:fontRef idx="minor">
-                <a:schemeClr val="dk1"/>
-              </a:fontRef>
-            </p:style>
-            <p:txBody>
-              <a:bodyPr rtlCol="0" anchor="ctr"/>
-              <a:lstStyle/>
-              <a:p>
-                <a:pPr algn="ctr"/>
-                <a:r>
-                  <a:rPr lang="en-US" sz="1400" dirty="0" smtClean="0"/>
-                  <a:t>Investment</a:t>
-                </a:r>
-                <a:endParaRPr lang="en-US" sz="1400" dirty="0"/>
-              </a:p>
-            </p:txBody>
-          </p:sp>
-          <p:sp>
-            <p:nvSpPr>
-              <p:cNvPr id="15" name="Rectangle 14"/>
-              <p:cNvSpPr/>
-              <p:nvPr/>
-            </p:nvSpPr>
-            <p:spPr>
-              <a:xfrm>
-                <a:off x="3154680" y="2908539"/>
-                <a:ext cx="2194560" cy="385313"/>
-              </a:xfrm>
-              <a:prstGeom prst="rect">
-                <a:avLst/>
-              </a:prstGeom>
-            </p:spPr>
-            <p:style>
-              <a:lnRef idx="1">
-                <a:schemeClr val="accent1"/>
-              </a:lnRef>
-              <a:fillRef idx="2">
-                <a:schemeClr val="accent1"/>
-              </a:fillRef>
-              <a:effectRef idx="1">
-                <a:schemeClr val="accent1"/>
-              </a:effectRef>
-              <a:fontRef idx="minor">
-                <a:schemeClr val="dk1"/>
-              </a:fontRef>
-            </p:style>
-            <p:txBody>
-              <a:bodyPr rtlCol="0" anchor="ctr"/>
-              <a:lstStyle/>
-              <a:p>
-                <a:pPr algn="ctr"/>
-                <a:r>
-                  <a:rPr lang="en-US" sz="1400" dirty="0" smtClean="0"/>
-                  <a:t>Prepaid</a:t>
-                </a:r>
-              </a:p>
-            </p:txBody>
-          </p:sp>
-          <p:sp>
-            <p:nvSpPr>
-              <p:cNvPr id="16" name="Rectangle 15"/>
-              <p:cNvSpPr/>
-              <p:nvPr/>
-            </p:nvSpPr>
-            <p:spPr>
-              <a:xfrm>
-                <a:off x="3063240" y="4876800"/>
-                <a:ext cx="2377440" cy="600974"/>
-              </a:xfrm>
-              <a:prstGeom prst="rect">
-                <a:avLst/>
-              </a:prstGeom>
-            </p:spPr>
-            <p:style>
-              <a:lnRef idx="1">
-                <a:schemeClr val="accent5"/>
-              </a:lnRef>
-              <a:fillRef idx="2">
-                <a:schemeClr val="accent5"/>
-              </a:fillRef>
-              <a:effectRef idx="1">
-                <a:schemeClr val="accent5"/>
-              </a:effectRef>
-              <a:fontRef idx="minor">
-                <a:schemeClr val="dk1"/>
-              </a:fontRef>
-            </p:style>
-            <p:txBody>
-              <a:bodyPr rtlCol="0" anchor="ctr"/>
-              <a:lstStyle/>
-              <a:p>
-                <a:pPr algn="ctr"/>
-                <a:r>
-                  <a:rPr lang="en-US" dirty="0" smtClean="0"/>
-                  <a:t>Equity</a:t>
-                </a:r>
-              </a:p>
-            </p:txBody>
-          </p:sp>
-        </p:grpSp>
         <p:sp>
           <p:nvSpPr>
             <p:cNvPr id="3" name="Left Brace 2"/>
@@ -4404,7 +3976,6 @@
                   <a:rPr lang="en-US" dirty="0" smtClean="0"/>
                   <a:t>Asset Entry</a:t>
                 </a:r>
-                <a:endParaRPr lang="en-US" dirty="0" smtClean="0"/>
               </a:p>
             </p:txBody>
           </p:sp>
@@ -4446,6 +4017,478 @@
                   <a:rPr lang="en-US" dirty="0" smtClean="0"/>
                   <a:t>Investment Entry</a:t>
                 </a:r>
+              </a:p>
+            </p:txBody>
+          </p:sp>
+        </p:grpSp>
+        <p:grpSp>
+          <p:nvGrpSpPr>
+            <p:cNvPr id="17" name="Group 16"/>
+            <p:cNvGrpSpPr/>
+            <p:nvPr/>
+          </p:nvGrpSpPr>
+          <p:grpSpPr>
+            <a:xfrm>
+              <a:off x="2971800" y="685800"/>
+              <a:ext cx="2560320" cy="5867400"/>
+              <a:chOff x="2971800" y="685800"/>
+              <a:chExt cx="2560320" cy="5867400"/>
+            </a:xfrm>
+          </p:grpSpPr>
+          <p:sp>
+            <p:nvSpPr>
+              <p:cNvPr id="7" name="Rectangle 6"/>
+              <p:cNvSpPr/>
+              <p:nvPr/>
+            </p:nvSpPr>
+            <p:spPr>
+              <a:xfrm>
+                <a:off x="2971800" y="685800"/>
+                <a:ext cx="2560320" cy="5867400"/>
+              </a:xfrm>
+              <a:prstGeom prst="rect">
+                <a:avLst/>
+              </a:prstGeom>
+            </p:spPr>
+            <p:style>
+              <a:lnRef idx="2">
+                <a:schemeClr val="accent1">
+                  <a:shade val="50000"/>
+                </a:schemeClr>
+              </a:lnRef>
+              <a:fillRef idx="1">
+                <a:schemeClr val="accent1"/>
+              </a:fillRef>
+              <a:effectRef idx="0">
+                <a:schemeClr val="accent1"/>
+              </a:effectRef>
+              <a:fontRef idx="minor">
+                <a:schemeClr val="lt1"/>
+              </a:fontRef>
+            </p:style>
+            <p:txBody>
+              <a:bodyPr rtlCol="0" anchor="t"/>
+              <a:lstStyle/>
+              <a:p>
+                <a:r>
+                  <a:rPr lang="en-US" dirty="0" smtClean="0"/>
+                  <a:t>Ledger</a:t>
+                </a:r>
+              </a:p>
+            </p:txBody>
+          </p:sp>
+          <p:sp>
+            <p:nvSpPr>
+              <p:cNvPr id="8" name="Rectangle 7"/>
+              <p:cNvSpPr/>
+              <p:nvPr/>
+            </p:nvSpPr>
+            <p:spPr>
+              <a:xfrm>
+                <a:off x="3063240" y="1075426"/>
+                <a:ext cx="2377440" cy="2353574"/>
+              </a:xfrm>
+              <a:prstGeom prst="rect">
+                <a:avLst/>
+              </a:prstGeom>
+            </p:spPr>
+            <p:style>
+              <a:lnRef idx="1">
+                <a:schemeClr val="accent5"/>
+              </a:lnRef>
+              <a:fillRef idx="2">
+                <a:schemeClr val="accent5"/>
+              </a:fillRef>
+              <a:effectRef idx="1">
+                <a:schemeClr val="accent5"/>
+              </a:effectRef>
+              <a:fontRef idx="minor">
+                <a:schemeClr val="dk1"/>
+              </a:fontRef>
+            </p:style>
+            <p:txBody>
+              <a:bodyPr rtlCol="0" anchor="t"/>
+              <a:lstStyle/>
+              <a:p>
+                <a:r>
+                  <a:rPr lang="en-US" sz="1600" dirty="0" smtClean="0"/>
+                  <a:t>Balance</a:t>
+                </a:r>
+              </a:p>
+            </p:txBody>
+          </p:sp>
+          <p:sp>
+            <p:nvSpPr>
+              <p:cNvPr id="9" name="Rectangle 8"/>
+              <p:cNvSpPr/>
+              <p:nvPr/>
+            </p:nvSpPr>
+            <p:spPr>
+              <a:xfrm>
+                <a:off x="3063240" y="3513826"/>
+                <a:ext cx="2377440" cy="600974"/>
+              </a:xfrm>
+              <a:prstGeom prst="rect">
+                <a:avLst/>
+              </a:prstGeom>
+            </p:spPr>
+            <p:style>
+              <a:lnRef idx="1">
+                <a:schemeClr val="accent5"/>
+              </a:lnRef>
+              <a:fillRef idx="2">
+                <a:schemeClr val="accent5"/>
+              </a:fillRef>
+              <a:effectRef idx="1">
+                <a:schemeClr val="accent5"/>
+              </a:effectRef>
+              <a:fontRef idx="minor">
+                <a:schemeClr val="dk1"/>
+              </a:fontRef>
+            </p:style>
+            <p:txBody>
+              <a:bodyPr rtlCol="0" anchor="ctr"/>
+              <a:lstStyle/>
+              <a:p>
+                <a:pPr algn="ctr"/>
+                <a:r>
+                  <a:rPr lang="en-US" dirty="0" smtClean="0"/>
+                  <a:t>Cost</a:t>
+                </a:r>
+                <a:endParaRPr lang="en-US" dirty="0" smtClean="0"/>
+              </a:p>
+            </p:txBody>
+          </p:sp>
+          <p:sp>
+            <p:nvSpPr>
+              <p:cNvPr id="10" name="Rectangle 9"/>
+              <p:cNvSpPr/>
+              <p:nvPr/>
+            </p:nvSpPr>
+            <p:spPr>
+              <a:xfrm>
+                <a:off x="3063240" y="4199626"/>
+                <a:ext cx="2377440" cy="600974"/>
+              </a:xfrm>
+              <a:prstGeom prst="rect">
+                <a:avLst/>
+              </a:prstGeom>
+            </p:spPr>
+            <p:style>
+              <a:lnRef idx="1">
+                <a:schemeClr val="accent5"/>
+              </a:lnRef>
+              <a:fillRef idx="2">
+                <a:schemeClr val="accent5"/>
+              </a:fillRef>
+              <a:effectRef idx="1">
+                <a:schemeClr val="accent5"/>
+              </a:effectRef>
+              <a:fontRef idx="minor">
+                <a:schemeClr val="dk1"/>
+              </a:fontRef>
+            </p:style>
+            <p:txBody>
+              <a:bodyPr rtlCol="0" anchor="ctr"/>
+              <a:lstStyle/>
+              <a:p>
+                <a:pPr algn="ctr"/>
+                <a:r>
+                  <a:rPr lang="en-US" dirty="0" smtClean="0"/>
+                  <a:t>Revenue</a:t>
+                </a:r>
+              </a:p>
+            </p:txBody>
+          </p:sp>
+          <p:sp>
+            <p:nvSpPr>
+              <p:cNvPr id="11" name="Rectangle 10"/>
+              <p:cNvSpPr/>
+              <p:nvPr/>
+            </p:nvSpPr>
+            <p:spPr>
+              <a:xfrm>
+                <a:off x="3154680" y="1371600"/>
+                <a:ext cx="2194560" cy="385313"/>
+              </a:xfrm>
+              <a:prstGeom prst="rect">
+                <a:avLst/>
+              </a:prstGeom>
+            </p:spPr>
+            <p:style>
+              <a:lnRef idx="1">
+                <a:schemeClr val="accent1"/>
+              </a:lnRef>
+              <a:fillRef idx="2">
+                <a:schemeClr val="accent1"/>
+              </a:fillRef>
+              <a:effectRef idx="1">
+                <a:schemeClr val="accent1"/>
+              </a:effectRef>
+              <a:fontRef idx="minor">
+                <a:schemeClr val="dk1"/>
+              </a:fontRef>
+            </p:style>
+            <p:txBody>
+              <a:bodyPr rtlCol="0" anchor="ctr"/>
+              <a:lstStyle/>
+              <a:p>
+                <a:pPr algn="ctr"/>
+                <a:r>
+                  <a:rPr lang="en-US" sz="1400" dirty="0" smtClean="0"/>
+                  <a:t>Cash</a:t>
+                </a:r>
+                <a:endParaRPr lang="en-US" sz="1400" dirty="0"/>
+              </a:p>
+            </p:txBody>
+          </p:sp>
+          <p:sp>
+            <p:nvSpPr>
+              <p:cNvPr id="13" name="Rectangle 12"/>
+              <p:cNvSpPr/>
+              <p:nvPr/>
+            </p:nvSpPr>
+            <p:spPr>
+              <a:xfrm>
+                <a:off x="3154680" y="1752600"/>
+                <a:ext cx="2194560" cy="385313"/>
+              </a:xfrm>
+              <a:prstGeom prst="rect">
+                <a:avLst/>
+              </a:prstGeom>
+            </p:spPr>
+            <p:style>
+              <a:lnRef idx="1">
+                <a:schemeClr val="accent1"/>
+              </a:lnRef>
+              <a:fillRef idx="2">
+                <a:schemeClr val="accent1"/>
+              </a:fillRef>
+              <a:effectRef idx="1">
+                <a:schemeClr val="accent1"/>
+              </a:effectRef>
+              <a:fontRef idx="minor">
+                <a:schemeClr val="dk1"/>
+              </a:fontRef>
+            </p:style>
+            <p:txBody>
+              <a:bodyPr rtlCol="0" anchor="ctr"/>
+              <a:lstStyle/>
+              <a:p>
+                <a:pPr algn="ctr"/>
+                <a:r>
+                  <a:rPr lang="en-US" sz="1400" dirty="0" smtClean="0"/>
+                  <a:t>Bank Account</a:t>
+                </a:r>
+                <a:endParaRPr lang="en-US" sz="1400" dirty="0"/>
+              </a:p>
+            </p:txBody>
+          </p:sp>
+          <p:sp>
+            <p:nvSpPr>
+              <p:cNvPr id="14" name="Rectangle 13"/>
+              <p:cNvSpPr/>
+              <p:nvPr/>
+            </p:nvSpPr>
+            <p:spPr>
+              <a:xfrm>
+                <a:off x="3154680" y="2523226"/>
+                <a:ext cx="2194560" cy="385313"/>
+              </a:xfrm>
+              <a:prstGeom prst="rect">
+                <a:avLst/>
+              </a:prstGeom>
+            </p:spPr>
+            <p:style>
+              <a:lnRef idx="1">
+                <a:schemeClr val="accent1"/>
+              </a:lnRef>
+              <a:fillRef idx="2">
+                <a:schemeClr val="accent1"/>
+              </a:fillRef>
+              <a:effectRef idx="1">
+                <a:schemeClr val="accent1"/>
+              </a:effectRef>
+              <a:fontRef idx="minor">
+                <a:schemeClr val="dk1"/>
+              </a:fontRef>
+            </p:style>
+            <p:txBody>
+              <a:bodyPr rtlCol="0" anchor="ctr"/>
+              <a:lstStyle/>
+              <a:p>
+                <a:pPr algn="ctr"/>
+                <a:r>
+                  <a:rPr lang="en-US" sz="1400" dirty="0" smtClean="0"/>
+                  <a:t>Fixed Assets (Consumed)</a:t>
+                </a:r>
+                <a:endParaRPr lang="en-US" sz="1400" dirty="0"/>
+              </a:p>
+            </p:txBody>
+          </p:sp>
+          <p:sp>
+            <p:nvSpPr>
+              <p:cNvPr id="12" name="Rectangle 11"/>
+              <p:cNvSpPr/>
+              <p:nvPr/>
+            </p:nvSpPr>
+            <p:spPr>
+              <a:xfrm>
+                <a:off x="3154680" y="2137913"/>
+                <a:ext cx="2194560" cy="385313"/>
+              </a:xfrm>
+              <a:prstGeom prst="rect">
+                <a:avLst/>
+              </a:prstGeom>
+            </p:spPr>
+            <p:style>
+              <a:lnRef idx="1">
+                <a:schemeClr val="accent1"/>
+              </a:lnRef>
+              <a:fillRef idx="2">
+                <a:schemeClr val="accent1"/>
+              </a:fillRef>
+              <a:effectRef idx="1">
+                <a:schemeClr val="accent1"/>
+              </a:effectRef>
+              <a:fontRef idx="minor">
+                <a:schemeClr val="dk1"/>
+              </a:fontRef>
+            </p:style>
+            <p:txBody>
+              <a:bodyPr rtlCol="0" anchor="ctr"/>
+              <a:lstStyle/>
+              <a:p>
+                <a:pPr algn="ctr"/>
+                <a:r>
+                  <a:rPr lang="en-US" sz="1400" dirty="0" smtClean="0"/>
+                  <a:t>Investment</a:t>
+                </a:r>
+                <a:endParaRPr lang="en-US" sz="1400" dirty="0"/>
+              </a:p>
+            </p:txBody>
+          </p:sp>
+          <p:sp>
+            <p:nvSpPr>
+              <p:cNvPr id="15" name="Rectangle 14"/>
+              <p:cNvSpPr/>
+              <p:nvPr/>
+            </p:nvSpPr>
+            <p:spPr>
+              <a:xfrm>
+                <a:off x="3154680" y="2908536"/>
+                <a:ext cx="2194560" cy="385313"/>
+              </a:xfrm>
+              <a:prstGeom prst="rect">
+                <a:avLst/>
+              </a:prstGeom>
+            </p:spPr>
+            <p:style>
+              <a:lnRef idx="1">
+                <a:schemeClr val="accent1"/>
+              </a:lnRef>
+              <a:fillRef idx="2">
+                <a:schemeClr val="accent1"/>
+              </a:fillRef>
+              <a:effectRef idx="1">
+                <a:schemeClr val="accent1"/>
+              </a:effectRef>
+              <a:fontRef idx="minor">
+                <a:schemeClr val="dk1"/>
+              </a:fontRef>
+            </p:style>
+            <p:txBody>
+              <a:bodyPr rtlCol="0" anchor="ctr"/>
+              <a:lstStyle/>
+              <a:p>
+                <a:pPr algn="ctr"/>
+                <a:r>
+                  <a:rPr lang="en-US" sz="1400" dirty="0" smtClean="0"/>
+                  <a:t>Prepaid</a:t>
+                </a:r>
+              </a:p>
+            </p:txBody>
+          </p:sp>
+          <p:sp>
+            <p:nvSpPr>
+              <p:cNvPr id="16" name="Rectangle 15"/>
+              <p:cNvSpPr/>
+              <p:nvPr/>
+            </p:nvSpPr>
+            <p:spPr>
+              <a:xfrm>
+                <a:off x="3063240" y="4876800"/>
+                <a:ext cx="2377440" cy="600974"/>
+              </a:xfrm>
+              <a:prstGeom prst="rect">
+                <a:avLst/>
+              </a:prstGeom>
+            </p:spPr>
+            <p:style>
+              <a:lnRef idx="1">
+                <a:schemeClr val="accent5"/>
+              </a:lnRef>
+              <a:fillRef idx="2">
+                <a:schemeClr val="accent5"/>
+              </a:fillRef>
+              <a:effectRef idx="1">
+                <a:schemeClr val="accent5"/>
+              </a:effectRef>
+              <a:fontRef idx="minor">
+                <a:schemeClr val="dk1"/>
+              </a:fontRef>
+            </p:style>
+            <p:txBody>
+              <a:bodyPr rtlCol="0" anchor="ctr"/>
+              <a:lstStyle/>
+              <a:p>
+                <a:pPr algn="ctr"/>
+                <a:r>
+                  <a:rPr lang="en-US" dirty="0" smtClean="0"/>
+                  <a:t>Equity</a:t>
+                </a:r>
+                <a:endParaRPr lang="en-US" dirty="0" smtClean="0"/>
+              </a:p>
+            </p:txBody>
+          </p:sp>
+          <p:sp>
+            <p:nvSpPr>
+              <p:cNvPr id="39" name="Rectangle 38"/>
+              <p:cNvSpPr/>
+              <p:nvPr/>
+            </p:nvSpPr>
+            <p:spPr>
+              <a:xfrm>
+                <a:off x="3063240" y="5562600"/>
+                <a:ext cx="2377440" cy="600974"/>
+              </a:xfrm>
+              <a:prstGeom prst="rect">
+                <a:avLst/>
+              </a:prstGeom>
+            </p:spPr>
+            <p:style>
+              <a:lnRef idx="1">
+                <a:schemeClr val="accent5"/>
+              </a:lnRef>
+              <a:fillRef idx="2">
+                <a:schemeClr val="accent5"/>
+              </a:fillRef>
+              <a:effectRef idx="1">
+                <a:schemeClr val="accent5"/>
+              </a:effectRef>
+              <a:fontRef idx="minor">
+                <a:schemeClr val="dk1"/>
+              </a:fontRef>
+            </p:style>
+            <p:txBody>
+              <a:bodyPr rtlCol="0" anchor="ctr"/>
+              <a:lstStyle/>
+              <a:p>
+                <a:pPr algn="ctr"/>
+                <a:r>
+                  <a:rPr lang="en-US" dirty="0" smtClean="0"/>
+                  <a:t>Liabilities</a:t>
+                </a:r>
                 <a:endParaRPr lang="en-US" dirty="0" smtClean="0"/>
               </a:p>
             </p:txBody>
@@ -4456,6 +4499,330 @@
     <p:extLst>
       <p:ext uri="{BB962C8B-B14F-4D97-AF65-F5344CB8AC3E}">
         <p14:creationId xmlns:p14="http://schemas.microsoft.com/office/powerpoint/2010/main" val="1988372556"/>
+      </p:ext>
+    </p:extLst>
+  </p:cSld>
+  <p:clrMapOvr>
+    <a:masterClrMapping/>
+  </p:clrMapOvr>
+</p:sld>
+</file>
+
+<file path=ppt/slides/slide2.xml><?xml version="1.0" encoding="utf-8"?>
+<p:sld xmlns:a="http://schemas.openxmlformats.org/drawingml/2006/main" xmlns:r="http://schemas.openxmlformats.org/officeDocument/2006/relationships" xmlns:p="http://schemas.openxmlformats.org/presentationml/2006/main">
+  <p:cSld>
+    <p:spTree>
+      <p:nvGrpSpPr>
+        <p:cNvPr id="1" name=""/>
+        <p:cNvGrpSpPr/>
+        <p:nvPr/>
+      </p:nvGrpSpPr>
+      <p:grpSpPr>
+        <a:xfrm>
+          <a:off x="0" y="0"/>
+          <a:ext cx="0" cy="0"/>
+          <a:chOff x="0" y="0"/>
+          <a:chExt cx="0" cy="0"/>
+        </a:xfrm>
+      </p:grpSpPr>
+      <p:grpSp>
+        <p:nvGrpSpPr>
+          <p:cNvPr id="10" name="Group 9"/>
+          <p:cNvGrpSpPr/>
+          <p:nvPr/>
+        </p:nvGrpSpPr>
+        <p:grpSpPr>
+          <a:xfrm>
+            <a:off x="487680" y="224135"/>
+            <a:ext cx="2971800" cy="4500265"/>
+            <a:chOff x="487680" y="224135"/>
+            <a:chExt cx="2971800" cy="4500265"/>
+          </a:xfrm>
+        </p:grpSpPr>
+        <p:sp>
+          <p:nvSpPr>
+            <p:cNvPr id="4" name="Rectangle 3"/>
+            <p:cNvSpPr/>
+            <p:nvPr/>
+          </p:nvSpPr>
+          <p:spPr>
+            <a:xfrm>
+              <a:off x="487680" y="685800"/>
+              <a:ext cx="2971800" cy="4038600"/>
+            </a:xfrm>
+            <a:prstGeom prst="rect">
+              <a:avLst/>
+            </a:prstGeom>
+          </p:spPr>
+          <p:style>
+            <a:lnRef idx="2">
+              <a:schemeClr val="accent1">
+                <a:shade val="50000"/>
+              </a:schemeClr>
+            </a:lnRef>
+            <a:fillRef idx="1">
+              <a:schemeClr val="accent1"/>
+            </a:fillRef>
+            <a:effectRef idx="0">
+              <a:schemeClr val="accent1"/>
+            </a:effectRef>
+            <a:fontRef idx="minor">
+              <a:schemeClr val="lt1"/>
+            </a:fontRef>
+          </p:style>
+          <p:txBody>
+            <a:bodyPr rtlCol="0" anchor="t"/>
+            <a:lstStyle/>
+            <a:p>
+              <a:r>
+                <a:rPr lang="en-US" dirty="0" smtClean="0"/>
+                <a:t>Core</a:t>
+              </a:r>
+            </a:p>
+            <a:p>
+              <a:pPr marL="285750" indent="-285750">
+                <a:buFont typeface="Arial" pitchFamily="34" charset="0"/>
+                <a:buChar char="•"/>
+              </a:pPr>
+              <a:r>
+                <a:rPr lang="en-US" sz="1600" dirty="0" smtClean="0"/>
+                <a:t>Get start month ID</a:t>
+              </a:r>
+              <a:endParaRPr lang="en-US" sz="1600" dirty="0"/>
+            </a:p>
+            <a:p>
+              <a:pPr marL="285750" indent="-285750">
+                <a:buFont typeface="Arial" pitchFamily="34" charset="0"/>
+                <a:buChar char="•"/>
+              </a:pPr>
+              <a:r>
+                <a:rPr lang="en-US" sz="1600" dirty="0" smtClean="0"/>
+                <a:t>Get current month ID</a:t>
+              </a:r>
+            </a:p>
+          </p:txBody>
+        </p:sp>
+        <p:sp>
+          <p:nvSpPr>
+            <p:cNvPr id="5" name="TextBox 4"/>
+            <p:cNvSpPr txBox="1"/>
+            <p:nvPr/>
+          </p:nvSpPr>
+          <p:spPr>
+            <a:xfrm>
+              <a:off x="496389" y="224135"/>
+              <a:ext cx="1298753" cy="461665"/>
+            </a:xfrm>
+            <a:prstGeom prst="rect">
+              <a:avLst/>
+            </a:prstGeom>
+            <a:noFill/>
+          </p:spPr>
+          <p:txBody>
+            <a:bodyPr wrap="none" rtlCol="0">
+              <a:spAutoFit/>
+            </a:bodyPr>
+            <a:lstStyle/>
+            <a:p>
+              <a:r>
+                <a:rPr lang="en-US" sz="2400" dirty="0" smtClean="0">
+                  <a:latin typeface="Arial" pitchFamily="34" charset="0"/>
+                  <a:cs typeface="Arial" pitchFamily="34" charset="0"/>
+                </a:rPr>
+                <a:t>Initialize</a:t>
+              </a:r>
+              <a:endParaRPr lang="en-US" sz="2400" dirty="0">
+                <a:latin typeface="Arial" pitchFamily="34" charset="0"/>
+                <a:cs typeface="Arial" pitchFamily="34" charset="0"/>
+              </a:endParaRPr>
+            </a:p>
+          </p:txBody>
+        </p:sp>
+        <p:sp>
+          <p:nvSpPr>
+            <p:cNvPr id="6" name="Rectangle 5"/>
+            <p:cNvSpPr/>
+            <p:nvPr/>
+          </p:nvSpPr>
+          <p:spPr>
+            <a:xfrm>
+              <a:off x="563880" y="1676400"/>
+              <a:ext cx="2819400" cy="1600200"/>
+            </a:xfrm>
+            <a:prstGeom prst="rect">
+              <a:avLst/>
+            </a:prstGeom>
+          </p:spPr>
+          <p:style>
+            <a:lnRef idx="1">
+              <a:schemeClr val="accent5"/>
+            </a:lnRef>
+            <a:fillRef idx="2">
+              <a:schemeClr val="accent5"/>
+            </a:fillRef>
+            <a:effectRef idx="1">
+              <a:schemeClr val="accent5"/>
+            </a:effectRef>
+            <a:fontRef idx="minor">
+              <a:schemeClr val="dk1"/>
+            </a:fontRef>
+          </p:style>
+          <p:txBody>
+            <a:bodyPr rtlCol="0" anchor="t"/>
+            <a:lstStyle/>
+            <a:p>
+              <a:r>
+                <a:rPr lang="en-US" sz="1400" dirty="0" smtClean="0"/>
+                <a:t>Master data</a:t>
+              </a:r>
+            </a:p>
+            <a:p>
+              <a:pPr marL="285750" indent="-285750">
+                <a:buFont typeface="Arial" pitchFamily="34" charset="0"/>
+                <a:buChar char="•"/>
+              </a:pPr>
+              <a:r>
+                <a:rPr lang="en-US" sz="1400" dirty="0" smtClean="0"/>
+                <a:t>Vendor</a:t>
+              </a:r>
+            </a:p>
+            <a:p>
+              <a:pPr marL="285750" indent="-285750">
+                <a:buFont typeface="Arial" pitchFamily="34" charset="0"/>
+                <a:buChar char="•"/>
+              </a:pPr>
+              <a:r>
+                <a:rPr lang="en-US" sz="1400" dirty="0" smtClean="0"/>
+                <a:t>Customer</a:t>
+              </a:r>
+            </a:p>
+            <a:p>
+              <a:pPr marL="285750" indent="-285750">
+                <a:buFont typeface="Arial" pitchFamily="34" charset="0"/>
+                <a:buChar char="•"/>
+              </a:pPr>
+              <a:r>
+                <a:rPr lang="en-US" sz="1400" dirty="0" smtClean="0"/>
+                <a:t>Business area</a:t>
+              </a:r>
+            </a:p>
+            <a:p>
+              <a:pPr marL="285750" indent="-285750">
+                <a:buFont typeface="Arial" pitchFamily="34" charset="0"/>
+                <a:buChar char="•"/>
+              </a:pPr>
+              <a:r>
+                <a:rPr lang="en-US" sz="1400" dirty="0" smtClean="0"/>
+                <a:t>Bank key</a:t>
+              </a:r>
+            </a:p>
+            <a:p>
+              <a:pPr marL="285750" indent="-285750">
+                <a:buFont typeface="Arial" pitchFamily="34" charset="0"/>
+                <a:buChar char="•"/>
+              </a:pPr>
+              <a:r>
+                <a:rPr lang="en-US" sz="1400" dirty="0" smtClean="0"/>
+                <a:t>Bank account</a:t>
+              </a:r>
+            </a:p>
+            <a:p>
+              <a:pPr marL="285750" indent="-285750">
+                <a:buFont typeface="Arial" pitchFamily="34" charset="0"/>
+                <a:buChar char="•"/>
+              </a:pPr>
+              <a:r>
+                <a:rPr lang="en-US" sz="1400" dirty="0" smtClean="0"/>
+                <a:t>G/L account</a:t>
+              </a:r>
+              <a:endParaRPr lang="en-US" sz="1400" dirty="0"/>
+            </a:p>
+          </p:txBody>
+        </p:sp>
+        <p:sp>
+          <p:nvSpPr>
+            <p:cNvPr id="7" name="Rectangle 6"/>
+            <p:cNvSpPr/>
+            <p:nvPr/>
+          </p:nvSpPr>
+          <p:spPr>
+            <a:xfrm>
+              <a:off x="563880" y="3310346"/>
+              <a:ext cx="2819400" cy="1185454"/>
+            </a:xfrm>
+            <a:prstGeom prst="rect">
+              <a:avLst/>
+            </a:prstGeom>
+          </p:spPr>
+          <p:style>
+            <a:lnRef idx="1">
+              <a:schemeClr val="accent5"/>
+            </a:lnRef>
+            <a:fillRef idx="2">
+              <a:schemeClr val="accent5"/>
+            </a:fillRef>
+            <a:effectRef idx="1">
+              <a:schemeClr val="accent5"/>
+            </a:effectRef>
+            <a:fontRef idx="minor">
+              <a:schemeClr val="dk1"/>
+            </a:fontRef>
+          </p:style>
+          <p:txBody>
+            <a:bodyPr rtlCol="0" anchor="t"/>
+            <a:lstStyle/>
+            <a:p>
+              <a:r>
+                <a:rPr lang="en-US" sz="1400" dirty="0" smtClean="0"/>
+                <a:t>Transaction data</a:t>
+              </a:r>
+            </a:p>
+            <a:p>
+              <a:r>
+                <a:rPr lang="en-US" sz="1100" dirty="0" smtClean="0">
+                  <a:latin typeface="BentonSans Light" pitchFamily="2" charset="0"/>
+                  <a:cs typeface="Arial" pitchFamily="34" charset="0"/>
+                </a:rPr>
+                <a:t>From start month to current month</a:t>
+              </a:r>
+            </a:p>
+            <a:p>
+              <a:pPr marL="285750" indent="-285750">
+                <a:buFont typeface="Arial" pitchFamily="34" charset="0"/>
+                <a:buChar char="•"/>
+              </a:pPr>
+              <a:r>
+                <a:rPr lang="en-US" sz="1400" dirty="0" smtClean="0"/>
+                <a:t>2012_07</a:t>
+              </a:r>
+            </a:p>
+            <a:p>
+              <a:pPr marL="285750" indent="-285750">
+                <a:buFont typeface="Arial" pitchFamily="34" charset="0"/>
+                <a:buChar char="•"/>
+              </a:pPr>
+              <a:r>
+                <a:rPr lang="en-US" sz="1400" dirty="0" smtClean="0"/>
+                <a:t>2012_08</a:t>
+              </a:r>
+            </a:p>
+            <a:p>
+              <a:pPr marL="285750" indent="-285750">
+                <a:buFont typeface="Arial" pitchFamily="34" charset="0"/>
+                <a:buChar char="•"/>
+              </a:pPr>
+              <a:r>
+                <a:rPr lang="en-US" sz="1400" dirty="0" smtClean="0"/>
+                <a:t>...</a:t>
+              </a:r>
+            </a:p>
+          </p:txBody>
+        </p:sp>
+      </p:grpSp>
+    </p:spTree>
+    <p:extLst>
+      <p:ext uri="{BB962C8B-B14F-4D97-AF65-F5344CB8AC3E}">
+        <p14:creationId xmlns:p14="http://schemas.microsoft.com/office/powerpoint/2010/main" val="991475462"/>
       </p:ext>
     </p:extLst>
   </p:cSld>

--- a/doc/ACH_DOC.pptx
+++ b/doc/ACH_DOC.pptx
@@ -7,6 +7,7 @@
   <p:sldIdLst>
     <p:sldId id="256" r:id="rId2"/>
     <p:sldId id="257" r:id="rId3"/>
+    <p:sldId id="258" r:id="rId4"/>
   </p:sldIdLst>
   <p:sldSz cx="9144000" cy="6858000" type="screen4x3"/>
   <p:notesSz cx="6858000" cy="9144000"/>
@@ -289,7 +290,7 @@
           <a:p>
             <a:fld id="{154D1BEB-9A9C-406A-9C8D-56A58EE1116F}" type="datetimeFigureOut">
               <a:rPr lang="en-US" smtClean="0"/>
-              <a:t>8/12/2012</a:t>
+              <a:t>8/16/2012</a:t>
             </a:fld>
             <a:endParaRPr lang="en-US"/>
           </a:p>
@@ -459,7 +460,7 @@
           <a:p>
             <a:fld id="{154D1BEB-9A9C-406A-9C8D-56A58EE1116F}" type="datetimeFigureOut">
               <a:rPr lang="en-US" smtClean="0"/>
-              <a:t>8/12/2012</a:t>
+              <a:t>8/16/2012</a:t>
             </a:fld>
             <a:endParaRPr lang="en-US"/>
           </a:p>
@@ -639,7 +640,7 @@
           <a:p>
             <a:fld id="{154D1BEB-9A9C-406A-9C8D-56A58EE1116F}" type="datetimeFigureOut">
               <a:rPr lang="en-US" smtClean="0"/>
-              <a:t>8/12/2012</a:t>
+              <a:t>8/16/2012</a:t>
             </a:fld>
             <a:endParaRPr lang="en-US"/>
           </a:p>
@@ -809,7 +810,7 @@
           <a:p>
             <a:fld id="{154D1BEB-9A9C-406A-9C8D-56A58EE1116F}" type="datetimeFigureOut">
               <a:rPr lang="en-US" smtClean="0"/>
-              <a:t>8/12/2012</a:t>
+              <a:t>8/16/2012</a:t>
             </a:fld>
             <a:endParaRPr lang="en-US"/>
           </a:p>
@@ -1055,7 +1056,7 @@
           <a:p>
             <a:fld id="{154D1BEB-9A9C-406A-9C8D-56A58EE1116F}" type="datetimeFigureOut">
               <a:rPr lang="en-US" smtClean="0"/>
-              <a:t>8/12/2012</a:t>
+              <a:t>8/16/2012</a:t>
             </a:fld>
             <a:endParaRPr lang="en-US"/>
           </a:p>
@@ -1343,7 +1344,7 @@
           <a:p>
             <a:fld id="{154D1BEB-9A9C-406A-9C8D-56A58EE1116F}" type="datetimeFigureOut">
               <a:rPr lang="en-US" smtClean="0"/>
-              <a:t>8/12/2012</a:t>
+              <a:t>8/16/2012</a:t>
             </a:fld>
             <a:endParaRPr lang="en-US"/>
           </a:p>
@@ -1765,7 +1766,7 @@
           <a:p>
             <a:fld id="{154D1BEB-9A9C-406A-9C8D-56A58EE1116F}" type="datetimeFigureOut">
               <a:rPr lang="en-US" smtClean="0"/>
-              <a:t>8/12/2012</a:t>
+              <a:t>8/16/2012</a:t>
             </a:fld>
             <a:endParaRPr lang="en-US"/>
           </a:p>
@@ -1883,7 +1884,7 @@
           <a:p>
             <a:fld id="{154D1BEB-9A9C-406A-9C8D-56A58EE1116F}" type="datetimeFigureOut">
               <a:rPr lang="en-US" smtClean="0"/>
-              <a:t>8/12/2012</a:t>
+              <a:t>8/16/2012</a:t>
             </a:fld>
             <a:endParaRPr lang="en-US"/>
           </a:p>
@@ -1978,7 +1979,7 @@
           <a:p>
             <a:fld id="{154D1BEB-9A9C-406A-9C8D-56A58EE1116F}" type="datetimeFigureOut">
               <a:rPr lang="en-US" smtClean="0"/>
-              <a:t>8/12/2012</a:t>
+              <a:t>8/16/2012</a:t>
             </a:fld>
             <a:endParaRPr lang="en-US"/>
           </a:p>
@@ -2255,7 +2256,7 @@
           <a:p>
             <a:fld id="{154D1BEB-9A9C-406A-9C8D-56A58EE1116F}" type="datetimeFigureOut">
               <a:rPr lang="en-US" smtClean="0"/>
-              <a:t>8/12/2012</a:t>
+              <a:t>8/16/2012</a:t>
             </a:fld>
             <a:endParaRPr lang="en-US"/>
           </a:p>
@@ -2508,7 +2509,7 @@
           <a:p>
             <a:fld id="{154D1BEB-9A9C-406A-9C8D-56A58EE1116F}" type="datetimeFigureOut">
               <a:rPr lang="en-US" smtClean="0"/>
-              <a:t>8/12/2012</a:t>
+              <a:t>8/16/2012</a:t>
             </a:fld>
             <a:endParaRPr lang="en-US"/>
           </a:p>
@@ -2721,7 +2722,7 @@
           <a:p>
             <a:fld id="{154D1BEB-9A9C-406A-9C8D-56A58EE1116F}" type="datetimeFigureOut">
               <a:rPr lang="en-US" smtClean="0"/>
-              <a:t>8/12/2012</a:t>
+              <a:t>8/16/2012</a:t>
             </a:fld>
             <a:endParaRPr lang="en-US"/>
           </a:p>
@@ -4155,7 +4156,6 @@
                   <a:rPr lang="en-US" dirty="0" smtClean="0"/>
                   <a:t>Cost</a:t>
                 </a:r>
-                <a:endParaRPr lang="en-US" dirty="0" smtClean="0"/>
               </a:p>
             </p:txBody>
           </p:sp>
@@ -4447,7 +4447,6 @@
                   <a:rPr lang="en-US" dirty="0" smtClean="0"/>
                   <a:t>Equity</a:t>
                 </a:r>
-                <a:endParaRPr lang="en-US" dirty="0" smtClean="0"/>
               </a:p>
             </p:txBody>
           </p:sp>
@@ -4489,7 +4488,6 @@
                   <a:rPr lang="en-US" dirty="0" smtClean="0"/>
                   <a:t>Liabilities</a:t>
                 </a:r>
-                <a:endParaRPr lang="en-US" dirty="0" smtClean="0"/>
               </a:p>
             </p:txBody>
           </p:sp>
@@ -4832,6 +4830,690 @@
 </p:sld>
 </file>
 
+<file path=ppt/slides/slide3.xml><?xml version="1.0" encoding="utf-8"?>
+<p:sld xmlns:a="http://schemas.openxmlformats.org/drawingml/2006/main" xmlns:r="http://schemas.openxmlformats.org/officeDocument/2006/relationships" xmlns:p="http://schemas.openxmlformats.org/presentationml/2006/main">
+  <p:cSld>
+    <p:spTree>
+      <p:nvGrpSpPr>
+        <p:cNvPr id="1" name=""/>
+        <p:cNvGrpSpPr/>
+        <p:nvPr/>
+      </p:nvGrpSpPr>
+      <p:grpSpPr>
+        <a:xfrm>
+          <a:off x="0" y="0"/>
+          <a:ext cx="0" cy="0"/>
+          <a:chOff x="0" y="0"/>
+          <a:chExt cx="0" cy="0"/>
+        </a:xfrm>
+      </p:grpSpPr>
+      <p:sp>
+        <p:nvSpPr>
+          <p:cNvPr id="4" name="Rectangle 3"/>
+          <p:cNvSpPr/>
+          <p:nvPr/>
+        </p:nvSpPr>
+        <p:spPr>
+          <a:xfrm>
+            <a:off x="228600" y="266700"/>
+            <a:ext cx="6781800" cy="6286500"/>
+          </a:xfrm>
+          <a:prstGeom prst="rect">
+            <a:avLst/>
+          </a:prstGeom>
+        </p:spPr>
+        <p:style>
+          <a:lnRef idx="2">
+            <a:schemeClr val="accent1">
+              <a:shade val="50000"/>
+            </a:schemeClr>
+          </a:lnRef>
+          <a:fillRef idx="1">
+            <a:schemeClr val="accent1"/>
+          </a:fillRef>
+          <a:effectRef idx="0">
+            <a:schemeClr val="accent1"/>
+          </a:effectRef>
+          <a:fontRef idx="minor">
+            <a:schemeClr val="lt1"/>
+          </a:fontRef>
+        </p:style>
+        <p:txBody>
+          <a:bodyPr rtlCol="0" anchor="t"/>
+          <a:lstStyle/>
+          <a:p>
+            <a:r>
+              <a:rPr lang="en-US" dirty="0" smtClean="0"/>
+              <a:t>Core Driver</a:t>
+            </a:r>
+            <a:endParaRPr lang="en-US" dirty="0"/>
+          </a:p>
+        </p:txBody>
+      </p:sp>
+      <p:sp>
+        <p:nvSpPr>
+          <p:cNvPr id="5" name="Rectangle 4"/>
+          <p:cNvSpPr/>
+          <p:nvPr/>
+        </p:nvSpPr>
+        <p:spPr>
+          <a:xfrm>
+            <a:off x="381000" y="5715000"/>
+            <a:ext cx="6172200" cy="609600"/>
+          </a:xfrm>
+          <a:prstGeom prst="rect">
+            <a:avLst/>
+          </a:prstGeom>
+        </p:spPr>
+        <p:style>
+          <a:lnRef idx="1">
+            <a:schemeClr val="accent1"/>
+          </a:lnRef>
+          <a:fillRef idx="2">
+            <a:schemeClr val="accent1"/>
+          </a:fillRef>
+          <a:effectRef idx="1">
+            <a:schemeClr val="accent1"/>
+          </a:effectRef>
+          <a:fontRef idx="minor">
+            <a:schemeClr val="dk1"/>
+          </a:fontRef>
+        </p:style>
+        <p:txBody>
+          <a:bodyPr rtlCol="0" anchor="ctr"/>
+          <a:lstStyle/>
+          <a:p>
+            <a:pPr algn="ctr"/>
+            <a:r>
+              <a:rPr lang="en-US" dirty="0" smtClean="0"/>
+              <a:t>Master Data Management</a:t>
+            </a:r>
+            <a:endParaRPr lang="en-US" dirty="0"/>
+          </a:p>
+        </p:txBody>
+      </p:sp>
+      <p:sp>
+        <p:nvSpPr>
+          <p:cNvPr id="6" name="Rectangle 5"/>
+          <p:cNvSpPr/>
+          <p:nvPr/>
+        </p:nvSpPr>
+        <p:spPr>
+          <a:xfrm>
+            <a:off x="381000" y="1371600"/>
+            <a:ext cx="6172200" cy="4114800"/>
+          </a:xfrm>
+          <a:prstGeom prst="rect">
+            <a:avLst/>
+          </a:prstGeom>
+        </p:spPr>
+        <p:style>
+          <a:lnRef idx="1">
+            <a:schemeClr val="accent5"/>
+          </a:lnRef>
+          <a:fillRef idx="2">
+            <a:schemeClr val="accent5"/>
+          </a:fillRef>
+          <a:effectRef idx="1">
+            <a:schemeClr val="accent5"/>
+          </a:effectRef>
+          <a:fontRef idx="minor">
+            <a:schemeClr val="dk1"/>
+          </a:fontRef>
+        </p:style>
+        <p:txBody>
+          <a:bodyPr rtlCol="0" anchor="t"/>
+          <a:lstStyle/>
+          <a:p>
+            <a:r>
+              <a:rPr lang="en-US" smtClean="0"/>
+              <a:t>Transaction </a:t>
+            </a:r>
+            <a:r>
+              <a:rPr lang="en-US" dirty="0" smtClean="0"/>
+              <a:t>Data Management</a:t>
+            </a:r>
+            <a:endParaRPr lang="en-US" dirty="0"/>
+          </a:p>
+        </p:txBody>
+      </p:sp>
+      <p:sp>
+        <p:nvSpPr>
+          <p:cNvPr id="7" name="Rectangle 6"/>
+          <p:cNvSpPr/>
+          <p:nvPr/>
+        </p:nvSpPr>
+        <p:spPr>
+          <a:xfrm>
+            <a:off x="5181600" y="1752600"/>
+            <a:ext cx="1181100" cy="3429000"/>
+          </a:xfrm>
+          <a:prstGeom prst="rect">
+            <a:avLst/>
+          </a:prstGeom>
+        </p:spPr>
+        <p:style>
+          <a:lnRef idx="1">
+            <a:schemeClr val="accent1"/>
+          </a:lnRef>
+          <a:fillRef idx="2">
+            <a:schemeClr val="accent1"/>
+          </a:fillRef>
+          <a:effectRef idx="1">
+            <a:schemeClr val="accent1"/>
+          </a:effectRef>
+          <a:fontRef idx="minor">
+            <a:schemeClr val="dk1"/>
+          </a:fontRef>
+        </p:style>
+        <p:txBody>
+          <a:bodyPr rtlCol="0" anchor="ctr"/>
+          <a:lstStyle/>
+          <a:p>
+            <a:pPr algn="ctr"/>
+            <a:r>
+              <a:rPr lang="en-US" dirty="0" smtClean="0"/>
+              <a:t>Ledgers</a:t>
+            </a:r>
+            <a:endParaRPr lang="en-US" dirty="0"/>
+          </a:p>
+        </p:txBody>
+      </p:sp>
+      <p:sp>
+        <p:nvSpPr>
+          <p:cNvPr id="8" name="Rectangle 7"/>
+          <p:cNvSpPr/>
+          <p:nvPr/>
+        </p:nvSpPr>
+        <p:spPr>
+          <a:xfrm>
+            <a:off x="3238500" y="1736785"/>
+            <a:ext cx="1181100" cy="1063206"/>
+          </a:xfrm>
+          <a:prstGeom prst="rect">
+            <a:avLst/>
+          </a:prstGeom>
+        </p:spPr>
+        <p:style>
+          <a:lnRef idx="1">
+            <a:schemeClr val="accent1"/>
+          </a:lnRef>
+          <a:fillRef idx="2">
+            <a:schemeClr val="accent1"/>
+          </a:fillRef>
+          <a:effectRef idx="1">
+            <a:schemeClr val="accent1"/>
+          </a:effectRef>
+          <a:fontRef idx="minor">
+            <a:schemeClr val="dk1"/>
+          </a:fontRef>
+        </p:style>
+        <p:txBody>
+          <a:bodyPr rtlCol="0" anchor="ctr"/>
+          <a:lstStyle/>
+          <a:p>
+            <a:pPr algn="ctr"/>
+            <a:r>
+              <a:rPr lang="en-US" dirty="0" smtClean="0"/>
+              <a:t>Document Entry</a:t>
+            </a:r>
+            <a:endParaRPr lang="en-US" dirty="0"/>
+          </a:p>
+        </p:txBody>
+      </p:sp>
+      <p:cxnSp>
+        <p:nvCxnSpPr>
+          <p:cNvPr id="16" name="Elbow Connector 15"/>
+          <p:cNvCxnSpPr>
+            <a:stCxn id="8" idx="3"/>
+            <a:endCxn id="7" idx="1"/>
+          </p:cNvCxnSpPr>
+          <p:nvPr/>
+        </p:nvCxnSpPr>
+        <p:spPr>
+          <a:xfrm>
+            <a:off x="4419600" y="2268388"/>
+            <a:ext cx="762000" cy="1198712"/>
+          </a:xfrm>
+          <a:prstGeom prst="bentConnector3">
+            <a:avLst/>
+          </a:prstGeom>
+          <a:ln>
+            <a:tailEnd type="arrow"/>
+          </a:ln>
+        </p:spPr>
+        <p:style>
+          <a:lnRef idx="2">
+            <a:schemeClr val="dk1"/>
+          </a:lnRef>
+          <a:fillRef idx="0">
+            <a:schemeClr val="dk1"/>
+          </a:fillRef>
+          <a:effectRef idx="1">
+            <a:schemeClr val="dk1"/>
+          </a:effectRef>
+          <a:fontRef idx="minor">
+            <a:schemeClr val="tx1"/>
+          </a:fontRef>
+        </p:style>
+      </p:cxnSp>
+      <p:cxnSp>
+        <p:nvCxnSpPr>
+          <p:cNvPr id="17" name="Elbow Connector 16"/>
+          <p:cNvCxnSpPr>
+            <a:stCxn id="5" idx="0"/>
+            <a:endCxn id="6" idx="2"/>
+          </p:cNvCxnSpPr>
+          <p:nvPr/>
+        </p:nvCxnSpPr>
+        <p:spPr>
+          <a:xfrm rot="5400000" flipH="1" flipV="1">
+            <a:off x="3352800" y="5600700"/>
+            <a:ext cx="228600" cy="12700"/>
+          </a:xfrm>
+          <a:prstGeom prst="bentConnector3">
+            <a:avLst>
+              <a:gd name="adj1" fmla="val 50000"/>
+            </a:avLst>
+          </a:prstGeom>
+          <a:ln>
+            <a:tailEnd type="arrow"/>
+          </a:ln>
+        </p:spPr>
+        <p:style>
+          <a:lnRef idx="2">
+            <a:schemeClr val="dk1"/>
+          </a:lnRef>
+          <a:fillRef idx="0">
+            <a:schemeClr val="dk1"/>
+          </a:fillRef>
+          <a:effectRef idx="1">
+            <a:schemeClr val="dk1"/>
+          </a:effectRef>
+          <a:fontRef idx="minor">
+            <a:schemeClr val="tx1"/>
+          </a:fontRef>
+        </p:style>
+      </p:cxnSp>
+      <p:sp>
+        <p:nvSpPr>
+          <p:cNvPr id="26" name="Rectangle 25"/>
+          <p:cNvSpPr/>
+          <p:nvPr/>
+        </p:nvSpPr>
+        <p:spPr>
+          <a:xfrm>
+            <a:off x="3238500" y="3048000"/>
+            <a:ext cx="1181100" cy="1063206"/>
+          </a:xfrm>
+          <a:prstGeom prst="rect">
+            <a:avLst/>
+          </a:prstGeom>
+        </p:spPr>
+        <p:style>
+          <a:lnRef idx="1">
+            <a:schemeClr val="accent1"/>
+          </a:lnRef>
+          <a:fillRef idx="2">
+            <a:schemeClr val="accent1"/>
+          </a:fillRef>
+          <a:effectRef idx="1">
+            <a:schemeClr val="accent1"/>
+          </a:effectRef>
+          <a:fontRef idx="minor">
+            <a:schemeClr val="dk1"/>
+          </a:fontRef>
+        </p:style>
+        <p:txBody>
+          <a:bodyPr rtlCol="0" anchor="ctr"/>
+          <a:lstStyle/>
+          <a:p>
+            <a:pPr algn="ctr"/>
+            <a:r>
+              <a:rPr lang="en-US" altLang="zh-CN" dirty="0" smtClean="0"/>
+              <a:t>G/L Balance</a:t>
+            </a:r>
+            <a:endParaRPr lang="en-US" dirty="0"/>
+          </a:p>
+        </p:txBody>
+      </p:sp>
+      <p:cxnSp>
+        <p:nvCxnSpPr>
+          <p:cNvPr id="29" name="Elbow Connector 28"/>
+          <p:cNvCxnSpPr>
+            <a:stCxn id="7" idx="2"/>
+            <a:endCxn id="26" idx="3"/>
+          </p:cNvCxnSpPr>
+          <p:nvPr/>
+        </p:nvCxnSpPr>
+        <p:spPr>
+          <a:xfrm rot="5400000" flipH="1">
+            <a:off x="4294876" y="3704327"/>
+            <a:ext cx="1601997" cy="1352550"/>
+          </a:xfrm>
+          <a:prstGeom prst="bentConnector4">
+            <a:avLst>
+              <a:gd name="adj1" fmla="val -14270"/>
+              <a:gd name="adj2" fmla="val 71831"/>
+            </a:avLst>
+          </a:prstGeom>
+          <a:ln>
+            <a:tailEnd type="arrow"/>
+          </a:ln>
+        </p:spPr>
+        <p:style>
+          <a:lnRef idx="2">
+            <a:schemeClr val="dk1"/>
+          </a:lnRef>
+          <a:fillRef idx="0">
+            <a:schemeClr val="dk1"/>
+          </a:fillRef>
+          <a:effectRef idx="1">
+            <a:schemeClr val="dk1"/>
+          </a:effectRef>
+          <a:fontRef idx="minor">
+            <a:schemeClr val="tx1"/>
+          </a:fontRef>
+        </p:style>
+      </p:cxnSp>
+      <p:sp>
+        <p:nvSpPr>
+          <p:cNvPr id="34" name="Rectangle 33"/>
+          <p:cNvSpPr/>
+          <p:nvPr/>
+        </p:nvSpPr>
+        <p:spPr>
+          <a:xfrm>
+            <a:off x="1066800" y="1752600"/>
+            <a:ext cx="1181100" cy="1063206"/>
+          </a:xfrm>
+          <a:prstGeom prst="rect">
+            <a:avLst/>
+          </a:prstGeom>
+        </p:spPr>
+        <p:style>
+          <a:lnRef idx="1">
+            <a:schemeClr val="accent1"/>
+          </a:lnRef>
+          <a:fillRef idx="2">
+            <a:schemeClr val="accent1"/>
+          </a:fillRef>
+          <a:effectRef idx="1">
+            <a:schemeClr val="accent1"/>
+          </a:effectRef>
+          <a:fontRef idx="minor">
+            <a:schemeClr val="dk1"/>
+          </a:fontRef>
+        </p:style>
+        <p:txBody>
+          <a:bodyPr rtlCol="0" anchor="ctr"/>
+          <a:lstStyle/>
+          <a:p>
+            <a:pPr algn="ctr"/>
+            <a:r>
+              <a:rPr lang="en-US" dirty="0" smtClean="0"/>
+              <a:t>G/L, Customer, Vendor Entry</a:t>
+            </a:r>
+            <a:endParaRPr lang="en-US" dirty="0"/>
+          </a:p>
+        </p:txBody>
+      </p:sp>
+      <p:sp>
+        <p:nvSpPr>
+          <p:cNvPr id="38" name="Rectangle 37"/>
+          <p:cNvSpPr/>
+          <p:nvPr/>
+        </p:nvSpPr>
+        <p:spPr>
+          <a:xfrm>
+            <a:off x="1066800" y="3124200"/>
+            <a:ext cx="1181100" cy="987006"/>
+          </a:xfrm>
+          <a:prstGeom prst="rect">
+            <a:avLst/>
+          </a:prstGeom>
+        </p:spPr>
+        <p:style>
+          <a:lnRef idx="1">
+            <a:schemeClr val="accent1"/>
+          </a:lnRef>
+          <a:fillRef idx="2">
+            <a:schemeClr val="accent1"/>
+          </a:fillRef>
+          <a:effectRef idx="1">
+            <a:schemeClr val="accent1"/>
+          </a:effectRef>
+          <a:fontRef idx="minor">
+            <a:schemeClr val="dk1"/>
+          </a:fontRef>
+        </p:style>
+        <p:txBody>
+          <a:bodyPr rot="0" spcFirstLastPara="0" vertOverflow="overflow" horzOverflow="overflow" vert="horz" wrap="square" lIns="91440" tIns="45720" rIns="91440" bIns="45720" numCol="1" spcCol="0" rtlCol="0" fromWordArt="0" anchor="ctr" anchorCtr="0" forceAA="0" compatLnSpc="1">
+            <a:prstTxWarp prst="textNoShape">
+              <a:avLst/>
+            </a:prstTxWarp>
+            <a:noAutofit/>
+          </a:bodyPr>
+          <a:lstStyle/>
+          <a:p>
+            <a:pPr algn="ctr"/>
+            <a:r>
+              <a:rPr lang="en-US" dirty="0" smtClean="0"/>
+              <a:t>Reverse</a:t>
+            </a:r>
+          </a:p>
+        </p:txBody>
+      </p:sp>
+      <p:cxnSp>
+        <p:nvCxnSpPr>
+          <p:cNvPr id="39" name="Elbow Connector 38"/>
+          <p:cNvCxnSpPr>
+            <a:stCxn id="38" idx="3"/>
+            <a:endCxn id="8" idx="1"/>
+          </p:cNvCxnSpPr>
+          <p:nvPr/>
+        </p:nvCxnSpPr>
+        <p:spPr>
+          <a:xfrm flipV="1">
+            <a:off x="2247900" y="2268388"/>
+            <a:ext cx="990600" cy="1349315"/>
+          </a:xfrm>
+          <a:prstGeom prst="bentConnector3">
+            <a:avLst>
+              <a:gd name="adj1" fmla="val 50000"/>
+            </a:avLst>
+          </a:prstGeom>
+          <a:ln>
+            <a:tailEnd type="arrow"/>
+          </a:ln>
+        </p:spPr>
+        <p:style>
+          <a:lnRef idx="2">
+            <a:schemeClr val="dk1"/>
+          </a:lnRef>
+          <a:fillRef idx="0">
+            <a:schemeClr val="dk1"/>
+          </a:fillRef>
+          <a:effectRef idx="1">
+            <a:schemeClr val="dk1"/>
+          </a:effectRef>
+          <a:fontRef idx="minor">
+            <a:schemeClr val="tx1"/>
+          </a:fontRef>
+        </p:style>
+      </p:cxnSp>
+      <p:cxnSp>
+        <p:nvCxnSpPr>
+          <p:cNvPr id="43" name="Straight Arrow Connector 42"/>
+          <p:cNvCxnSpPr>
+            <a:stCxn id="34" idx="3"/>
+            <a:endCxn id="8" idx="1"/>
+          </p:cNvCxnSpPr>
+          <p:nvPr/>
+        </p:nvCxnSpPr>
+        <p:spPr>
+          <a:xfrm flipV="1">
+            <a:off x="2247900" y="2268388"/>
+            <a:ext cx="990600" cy="15815"/>
+          </a:xfrm>
+          <a:prstGeom prst="straightConnector1">
+            <a:avLst/>
+          </a:prstGeom>
+          <a:ln>
+            <a:tailEnd type="arrow"/>
+          </a:ln>
+        </p:spPr>
+        <p:style>
+          <a:lnRef idx="2">
+            <a:schemeClr val="dk1"/>
+          </a:lnRef>
+          <a:fillRef idx="0">
+            <a:schemeClr val="dk1"/>
+          </a:fillRef>
+          <a:effectRef idx="1">
+            <a:schemeClr val="dk1"/>
+          </a:effectRef>
+          <a:fontRef idx="minor">
+            <a:schemeClr val="tx1"/>
+          </a:fontRef>
+        </p:style>
+      </p:cxnSp>
+      <p:sp>
+        <p:nvSpPr>
+          <p:cNvPr id="44" name="Rectangle 43"/>
+          <p:cNvSpPr/>
+          <p:nvPr/>
+        </p:nvSpPr>
+        <p:spPr>
+          <a:xfrm>
+            <a:off x="1066800" y="4263606"/>
+            <a:ext cx="1181100" cy="987006"/>
+          </a:xfrm>
+          <a:prstGeom prst="rect">
+            <a:avLst/>
+          </a:prstGeom>
+        </p:spPr>
+        <p:style>
+          <a:lnRef idx="1">
+            <a:schemeClr val="accent1"/>
+          </a:lnRef>
+          <a:fillRef idx="2">
+            <a:schemeClr val="accent1"/>
+          </a:fillRef>
+          <a:effectRef idx="1">
+            <a:schemeClr val="accent1"/>
+          </a:effectRef>
+          <a:fontRef idx="minor">
+            <a:schemeClr val="dk1"/>
+          </a:fontRef>
+        </p:style>
+        <p:txBody>
+          <a:bodyPr rot="0" spcFirstLastPara="0" vertOverflow="overflow" horzOverflow="overflow" vert="horz" wrap="square" lIns="91440" tIns="45720" rIns="91440" bIns="45720" numCol="1" spcCol="0" rtlCol="0" fromWordArt="0" anchor="ctr" anchorCtr="0" forceAA="0" compatLnSpc="1">
+            <a:prstTxWarp prst="textNoShape">
+              <a:avLst/>
+            </a:prstTxWarp>
+            <a:noAutofit/>
+          </a:bodyPr>
+          <a:lstStyle/>
+          <a:p>
+            <a:pPr algn="ctr"/>
+            <a:r>
+              <a:rPr lang="en-US" dirty="0" smtClean="0"/>
+              <a:t>Month End Close</a:t>
+            </a:r>
+          </a:p>
+        </p:txBody>
+      </p:sp>
+      <p:cxnSp>
+        <p:nvCxnSpPr>
+          <p:cNvPr id="45" name="Elbow Connector 44"/>
+          <p:cNvCxnSpPr>
+            <a:stCxn id="44" idx="3"/>
+            <a:endCxn id="8" idx="1"/>
+          </p:cNvCxnSpPr>
+          <p:nvPr/>
+        </p:nvCxnSpPr>
+        <p:spPr>
+          <a:xfrm flipV="1">
+            <a:off x="2247900" y="2268388"/>
+            <a:ext cx="990600" cy="2488721"/>
+          </a:xfrm>
+          <a:prstGeom prst="bentConnector3">
+            <a:avLst>
+              <a:gd name="adj1" fmla="val 50000"/>
+            </a:avLst>
+          </a:prstGeom>
+          <a:ln>
+            <a:tailEnd type="arrow"/>
+          </a:ln>
+        </p:spPr>
+        <p:style>
+          <a:lnRef idx="2">
+            <a:schemeClr val="dk1"/>
+          </a:lnRef>
+          <a:fillRef idx="0">
+            <a:schemeClr val="dk1"/>
+          </a:fillRef>
+          <a:effectRef idx="1">
+            <a:schemeClr val="dk1"/>
+          </a:effectRef>
+          <a:fontRef idx="minor">
+            <a:schemeClr val="tx1"/>
+          </a:fontRef>
+        </p:style>
+      </p:cxnSp>
+      <p:cxnSp>
+        <p:nvCxnSpPr>
+          <p:cNvPr id="49" name="Elbow Connector 48"/>
+          <p:cNvCxnSpPr>
+            <a:stCxn id="26" idx="1"/>
+            <a:endCxn id="44" idx="2"/>
+          </p:cNvCxnSpPr>
+          <p:nvPr/>
+        </p:nvCxnSpPr>
+        <p:spPr>
+          <a:xfrm rot="10800000" flipV="1">
+            <a:off x="1657350" y="3579602"/>
+            <a:ext cx="1581150" cy="1671009"/>
+          </a:xfrm>
+          <a:prstGeom prst="bentConnector4">
+            <a:avLst>
+              <a:gd name="adj1" fmla="val 18231"/>
+              <a:gd name="adj2" fmla="val 113680"/>
+            </a:avLst>
+          </a:prstGeom>
+          <a:ln>
+            <a:tailEnd type="arrow"/>
+          </a:ln>
+        </p:spPr>
+        <p:style>
+          <a:lnRef idx="2">
+            <a:schemeClr val="dk1"/>
+          </a:lnRef>
+          <a:fillRef idx="0">
+            <a:schemeClr val="dk1"/>
+          </a:fillRef>
+          <a:effectRef idx="1">
+            <a:schemeClr val="dk1"/>
+          </a:effectRef>
+          <a:fontRef idx="minor">
+            <a:schemeClr val="tx1"/>
+          </a:fontRef>
+        </p:style>
+      </p:cxnSp>
+    </p:spTree>
+    <p:extLst>
+      <p:ext uri="{BB962C8B-B14F-4D97-AF65-F5344CB8AC3E}">
+        <p14:creationId xmlns:p14="http://schemas.microsoft.com/office/powerpoint/2010/main" val="72722620"/>
+      </p:ext>
+    </p:extLst>
+  </p:cSld>
+  <p:clrMapOvr>
+    <a:masterClrMapping/>
+  </p:clrMapOvr>
+</p:sld>
+</file>
+
 <file path=ppt/theme/theme1.xml><?xml version="1.0" encoding="utf-8"?>
 <a:theme xmlns:a="http://schemas.openxmlformats.org/drawingml/2006/main" name="Office Theme">
   <a:themeElements>
@@ -5112,7 +5794,31 @@
       </a:bgFillStyleLst>
     </a:fmtScheme>
   </a:themeElements>
-  <a:objectDefaults/>
+  <a:objectDefaults>
+    <a:spDef>
+      <a:spPr/>
+      <a:bodyPr rtlCol="0" anchor="ctr"/>
+      <a:lstStyle>
+        <a:defPPr algn="ctr">
+          <a:defRPr dirty="0" smtClean="0"/>
+        </a:defPPr>
+      </a:lstStyle>
+      <a:style>
+        <a:lnRef idx="1">
+          <a:schemeClr val="accent1"/>
+        </a:lnRef>
+        <a:fillRef idx="2">
+          <a:schemeClr val="accent1"/>
+        </a:fillRef>
+        <a:effectRef idx="1">
+          <a:schemeClr val="accent1"/>
+        </a:effectRef>
+        <a:fontRef idx="minor">
+          <a:schemeClr val="dk1"/>
+        </a:fontRef>
+      </a:style>
+    </a:spDef>
+  </a:objectDefaults>
   <a:extraClrSchemeLst/>
 </a:theme>
 </file>
--- a/doc/ACH_DOC.pptx
+++ b/doc/ACH_DOC.pptx
@@ -106,6 +106,22 @@
       </a:defRPr>
     </a:lvl9pPr>
   </p:defaultTextStyle>
+  <p:extLst>
+    <p:ext uri="{EFAFB233-063F-42B5-8137-9DF3F51BA10A}">
+      <p15:sldGuideLst xmlns:p15="http://schemas.microsoft.com/office/powerpoint/2012/main">
+        <p15:guide id="1" orient="horz" pos="2160">
+          <p15:clr>
+            <a:srgbClr val="A4A3A4"/>
+          </p15:clr>
+        </p15:guide>
+        <p15:guide id="2" pos="2880">
+          <p15:clr>
+            <a:srgbClr val="A4A3A4"/>
+          </p15:clr>
+        </p15:guide>
+      </p15:sldGuideLst>
+    </p:ext>
+  </p:extLst>
 </p:presentation>
 </file>
 
@@ -290,7 +306,7 @@
           <a:p>
             <a:fld id="{154D1BEB-9A9C-406A-9C8D-56A58EE1116F}" type="datetimeFigureOut">
               <a:rPr lang="en-US" smtClean="0"/>
-              <a:t>8/16/2012</a:t>
+              <a:t>10/2/2012</a:t>
             </a:fld>
             <a:endParaRPr lang="en-US"/>
           </a:p>
@@ -460,7 +476,7 @@
           <a:p>
             <a:fld id="{154D1BEB-9A9C-406A-9C8D-56A58EE1116F}" type="datetimeFigureOut">
               <a:rPr lang="en-US" smtClean="0"/>
-              <a:t>8/16/2012</a:t>
+              <a:t>10/2/2012</a:t>
             </a:fld>
             <a:endParaRPr lang="en-US"/>
           </a:p>
@@ -640,7 +656,7 @@
           <a:p>
             <a:fld id="{154D1BEB-9A9C-406A-9C8D-56A58EE1116F}" type="datetimeFigureOut">
               <a:rPr lang="en-US" smtClean="0"/>
-              <a:t>8/16/2012</a:t>
+              <a:t>10/2/2012</a:t>
             </a:fld>
             <a:endParaRPr lang="en-US"/>
           </a:p>
@@ -810,7 +826,7 @@
           <a:p>
             <a:fld id="{154D1BEB-9A9C-406A-9C8D-56A58EE1116F}" type="datetimeFigureOut">
               <a:rPr lang="en-US" smtClean="0"/>
-              <a:t>8/16/2012</a:t>
+              <a:t>10/2/2012</a:t>
             </a:fld>
             <a:endParaRPr lang="en-US"/>
           </a:p>
@@ -1056,7 +1072,7 @@
           <a:p>
             <a:fld id="{154D1BEB-9A9C-406A-9C8D-56A58EE1116F}" type="datetimeFigureOut">
               <a:rPr lang="en-US" smtClean="0"/>
-              <a:t>8/16/2012</a:t>
+              <a:t>10/2/2012</a:t>
             </a:fld>
             <a:endParaRPr lang="en-US"/>
           </a:p>
@@ -1344,7 +1360,7 @@
           <a:p>
             <a:fld id="{154D1BEB-9A9C-406A-9C8D-56A58EE1116F}" type="datetimeFigureOut">
               <a:rPr lang="en-US" smtClean="0"/>
-              <a:t>8/16/2012</a:t>
+              <a:t>10/2/2012</a:t>
             </a:fld>
             <a:endParaRPr lang="en-US"/>
           </a:p>
@@ -1766,7 +1782,7 @@
           <a:p>
             <a:fld id="{154D1BEB-9A9C-406A-9C8D-56A58EE1116F}" type="datetimeFigureOut">
               <a:rPr lang="en-US" smtClean="0"/>
-              <a:t>8/16/2012</a:t>
+              <a:t>10/2/2012</a:t>
             </a:fld>
             <a:endParaRPr lang="en-US"/>
           </a:p>
@@ -1884,7 +1900,7 @@
           <a:p>
             <a:fld id="{154D1BEB-9A9C-406A-9C8D-56A58EE1116F}" type="datetimeFigureOut">
               <a:rPr lang="en-US" smtClean="0"/>
-              <a:t>8/16/2012</a:t>
+              <a:t>10/2/2012</a:t>
             </a:fld>
             <a:endParaRPr lang="en-US"/>
           </a:p>
@@ -1979,7 +1995,7 @@
           <a:p>
             <a:fld id="{154D1BEB-9A9C-406A-9C8D-56A58EE1116F}" type="datetimeFigureOut">
               <a:rPr lang="en-US" smtClean="0"/>
-              <a:t>8/16/2012</a:t>
+              <a:t>10/2/2012</a:t>
             </a:fld>
             <a:endParaRPr lang="en-US"/>
           </a:p>
@@ -2256,7 +2272,7 @@
           <a:p>
             <a:fld id="{154D1BEB-9A9C-406A-9C8D-56A58EE1116F}" type="datetimeFigureOut">
               <a:rPr lang="en-US" smtClean="0"/>
-              <a:t>8/16/2012</a:t>
+              <a:t>10/2/2012</a:t>
             </a:fld>
             <a:endParaRPr lang="en-US"/>
           </a:p>
@@ -2509,7 +2525,7 @@
           <a:p>
             <a:fld id="{154D1BEB-9A9C-406A-9C8D-56A58EE1116F}" type="datetimeFigureOut">
               <a:rPr lang="en-US" smtClean="0"/>
-              <a:t>8/16/2012</a:t>
+              <a:t>10/2/2012</a:t>
             </a:fld>
             <a:endParaRPr lang="en-US"/>
           </a:p>
@@ -2722,7 +2738,7 @@
           <a:p>
             <a:fld id="{154D1BEB-9A9C-406A-9C8D-56A58EE1116F}" type="datetimeFigureOut">
               <a:rPr lang="en-US" smtClean="0"/>
-              <a:t>8/16/2012</a:t>
+              <a:t>10/2/2012</a:t>
             </a:fld>
             <a:endParaRPr lang="en-US"/>
           </a:p>
@@ -4847,660 +4863,1025 @@
           <a:chExt cx="0" cy="0"/>
         </a:xfrm>
       </p:grpSpPr>
-      <p:sp>
-        <p:nvSpPr>
-          <p:cNvPr id="4" name="Rectangle 3"/>
-          <p:cNvSpPr/>
+      <p:grpSp>
+        <p:nvGrpSpPr>
+          <p:cNvPr id="28" name="Group 27"/>
+          <p:cNvGrpSpPr/>
           <p:nvPr/>
-        </p:nvSpPr>
-        <p:spPr>
+        </p:nvGrpSpPr>
+        <p:grpSpPr>
           <a:xfrm>
-            <a:off x="228600" y="266700"/>
-            <a:ext cx="6781800" cy="6286500"/>
+            <a:off x="228600" y="228600"/>
+            <a:ext cx="7620000" cy="6553200"/>
+            <a:chOff x="228600" y="228600"/>
+            <a:chExt cx="7620000" cy="6553200"/>
           </a:xfrm>
-          <a:prstGeom prst="rect">
-            <a:avLst/>
-          </a:prstGeom>
-        </p:spPr>
-        <p:style>
-          <a:lnRef idx="2">
-            <a:schemeClr val="accent1">
-              <a:shade val="50000"/>
-            </a:schemeClr>
-          </a:lnRef>
-          <a:fillRef idx="1">
-            <a:schemeClr val="accent1"/>
-          </a:fillRef>
-          <a:effectRef idx="0">
-            <a:schemeClr val="accent1"/>
-          </a:effectRef>
-          <a:fontRef idx="minor">
-            <a:schemeClr val="lt1"/>
-          </a:fontRef>
-        </p:style>
-        <p:txBody>
-          <a:bodyPr rtlCol="0" anchor="t"/>
-          <a:lstStyle/>
-          <a:p>
-            <a:r>
-              <a:rPr lang="en-US" dirty="0" smtClean="0"/>
-              <a:t>Core Driver</a:t>
-            </a:r>
-            <a:endParaRPr lang="en-US" dirty="0"/>
-          </a:p>
-        </p:txBody>
-      </p:sp>
-      <p:sp>
-        <p:nvSpPr>
-          <p:cNvPr id="5" name="Rectangle 4"/>
-          <p:cNvSpPr/>
-          <p:nvPr/>
-        </p:nvSpPr>
-        <p:spPr>
-          <a:xfrm>
-            <a:off x="381000" y="5715000"/>
-            <a:ext cx="6172200" cy="609600"/>
-          </a:xfrm>
-          <a:prstGeom prst="rect">
-            <a:avLst/>
-          </a:prstGeom>
-        </p:spPr>
-        <p:style>
-          <a:lnRef idx="1">
-            <a:schemeClr val="accent1"/>
-          </a:lnRef>
-          <a:fillRef idx="2">
-            <a:schemeClr val="accent1"/>
-          </a:fillRef>
-          <a:effectRef idx="1">
-            <a:schemeClr val="accent1"/>
-          </a:effectRef>
-          <a:fontRef idx="minor">
-            <a:schemeClr val="dk1"/>
-          </a:fontRef>
-        </p:style>
-        <p:txBody>
-          <a:bodyPr rtlCol="0" anchor="ctr"/>
-          <a:lstStyle/>
-          <a:p>
-            <a:pPr algn="ctr"/>
-            <a:r>
-              <a:rPr lang="en-US" dirty="0" smtClean="0"/>
-              <a:t>Master Data Management</a:t>
-            </a:r>
-            <a:endParaRPr lang="en-US" dirty="0"/>
-          </a:p>
-        </p:txBody>
-      </p:sp>
-      <p:sp>
-        <p:nvSpPr>
-          <p:cNvPr id="6" name="Rectangle 5"/>
-          <p:cNvSpPr/>
-          <p:nvPr/>
-        </p:nvSpPr>
-        <p:spPr>
-          <a:xfrm>
-            <a:off x="381000" y="1371600"/>
-            <a:ext cx="6172200" cy="4114800"/>
-          </a:xfrm>
-          <a:prstGeom prst="rect">
-            <a:avLst/>
-          </a:prstGeom>
-        </p:spPr>
-        <p:style>
-          <a:lnRef idx="1">
-            <a:schemeClr val="accent5"/>
-          </a:lnRef>
-          <a:fillRef idx="2">
-            <a:schemeClr val="accent5"/>
-          </a:fillRef>
-          <a:effectRef idx="1">
-            <a:schemeClr val="accent5"/>
-          </a:effectRef>
-          <a:fontRef idx="minor">
-            <a:schemeClr val="dk1"/>
-          </a:fontRef>
-        </p:style>
-        <p:txBody>
-          <a:bodyPr rtlCol="0" anchor="t"/>
-          <a:lstStyle/>
-          <a:p>
-            <a:r>
-              <a:rPr lang="en-US" smtClean="0"/>
-              <a:t>Transaction </a:t>
-            </a:r>
-            <a:r>
-              <a:rPr lang="en-US" dirty="0" smtClean="0"/>
-              <a:t>Data Management</a:t>
-            </a:r>
-            <a:endParaRPr lang="en-US" dirty="0"/>
-          </a:p>
-        </p:txBody>
-      </p:sp>
-      <p:sp>
-        <p:nvSpPr>
-          <p:cNvPr id="7" name="Rectangle 6"/>
-          <p:cNvSpPr/>
-          <p:nvPr/>
-        </p:nvSpPr>
-        <p:spPr>
-          <a:xfrm>
-            <a:off x="5181600" y="1752600"/>
-            <a:ext cx="1181100" cy="3429000"/>
-          </a:xfrm>
-          <a:prstGeom prst="rect">
-            <a:avLst/>
-          </a:prstGeom>
-        </p:spPr>
-        <p:style>
-          <a:lnRef idx="1">
-            <a:schemeClr val="accent1"/>
-          </a:lnRef>
-          <a:fillRef idx="2">
-            <a:schemeClr val="accent1"/>
-          </a:fillRef>
-          <a:effectRef idx="1">
-            <a:schemeClr val="accent1"/>
-          </a:effectRef>
-          <a:fontRef idx="minor">
-            <a:schemeClr val="dk1"/>
-          </a:fontRef>
-        </p:style>
-        <p:txBody>
-          <a:bodyPr rtlCol="0" anchor="ctr"/>
-          <a:lstStyle/>
-          <a:p>
-            <a:pPr algn="ctr"/>
-            <a:r>
-              <a:rPr lang="en-US" dirty="0" smtClean="0"/>
-              <a:t>Ledgers</a:t>
-            </a:r>
-            <a:endParaRPr lang="en-US" dirty="0"/>
-          </a:p>
-        </p:txBody>
-      </p:sp>
-      <p:sp>
-        <p:nvSpPr>
-          <p:cNvPr id="8" name="Rectangle 7"/>
-          <p:cNvSpPr/>
-          <p:nvPr/>
-        </p:nvSpPr>
-        <p:spPr>
-          <a:xfrm>
-            <a:off x="3238500" y="1736785"/>
-            <a:ext cx="1181100" cy="1063206"/>
-          </a:xfrm>
-          <a:prstGeom prst="rect">
-            <a:avLst/>
-          </a:prstGeom>
-        </p:spPr>
-        <p:style>
-          <a:lnRef idx="1">
-            <a:schemeClr val="accent1"/>
-          </a:lnRef>
-          <a:fillRef idx="2">
-            <a:schemeClr val="accent1"/>
-          </a:fillRef>
-          <a:effectRef idx="1">
-            <a:schemeClr val="accent1"/>
-          </a:effectRef>
-          <a:fontRef idx="minor">
-            <a:schemeClr val="dk1"/>
-          </a:fontRef>
-        </p:style>
-        <p:txBody>
-          <a:bodyPr rtlCol="0" anchor="ctr"/>
-          <a:lstStyle/>
-          <a:p>
-            <a:pPr algn="ctr"/>
-            <a:r>
-              <a:rPr lang="en-US" dirty="0" smtClean="0"/>
-              <a:t>Document Entry</a:t>
-            </a:r>
-            <a:endParaRPr lang="en-US" dirty="0"/>
-          </a:p>
-        </p:txBody>
-      </p:sp>
-      <p:cxnSp>
-        <p:nvCxnSpPr>
-          <p:cNvPr id="16" name="Elbow Connector 15"/>
-          <p:cNvCxnSpPr>
-            <a:stCxn id="8" idx="3"/>
-            <a:endCxn id="7" idx="1"/>
-          </p:cNvCxnSpPr>
-          <p:nvPr/>
-        </p:nvCxnSpPr>
-        <p:spPr>
-          <a:xfrm>
-            <a:off x="4419600" y="2268388"/>
-            <a:ext cx="762000" cy="1198712"/>
-          </a:xfrm>
-          <a:prstGeom prst="bentConnector3">
-            <a:avLst/>
-          </a:prstGeom>
-          <a:ln>
-            <a:tailEnd type="arrow"/>
-          </a:ln>
-        </p:spPr>
-        <p:style>
-          <a:lnRef idx="2">
-            <a:schemeClr val="dk1"/>
-          </a:lnRef>
-          <a:fillRef idx="0">
-            <a:schemeClr val="dk1"/>
-          </a:fillRef>
-          <a:effectRef idx="1">
-            <a:schemeClr val="dk1"/>
-          </a:effectRef>
-          <a:fontRef idx="minor">
-            <a:schemeClr val="tx1"/>
-          </a:fontRef>
-        </p:style>
-      </p:cxnSp>
-      <p:cxnSp>
-        <p:nvCxnSpPr>
-          <p:cNvPr id="17" name="Elbow Connector 16"/>
-          <p:cNvCxnSpPr>
-            <a:stCxn id="5" idx="0"/>
-            <a:endCxn id="6" idx="2"/>
-          </p:cNvCxnSpPr>
-          <p:nvPr/>
-        </p:nvCxnSpPr>
-        <p:spPr>
-          <a:xfrm rot="5400000" flipH="1" flipV="1">
-            <a:off x="3352800" y="5600700"/>
-            <a:ext cx="228600" cy="12700"/>
-          </a:xfrm>
-          <a:prstGeom prst="bentConnector3">
-            <a:avLst>
-              <a:gd name="adj1" fmla="val 50000"/>
-            </a:avLst>
-          </a:prstGeom>
-          <a:ln>
-            <a:tailEnd type="arrow"/>
-          </a:ln>
-        </p:spPr>
-        <p:style>
-          <a:lnRef idx="2">
-            <a:schemeClr val="dk1"/>
-          </a:lnRef>
-          <a:fillRef idx="0">
-            <a:schemeClr val="dk1"/>
-          </a:fillRef>
-          <a:effectRef idx="1">
-            <a:schemeClr val="dk1"/>
-          </a:effectRef>
-          <a:fontRef idx="minor">
-            <a:schemeClr val="tx1"/>
-          </a:fontRef>
-        </p:style>
-      </p:cxnSp>
-      <p:sp>
-        <p:nvSpPr>
-          <p:cNvPr id="26" name="Rectangle 25"/>
-          <p:cNvSpPr/>
-          <p:nvPr/>
-        </p:nvSpPr>
-        <p:spPr>
-          <a:xfrm>
-            <a:off x="3238500" y="3048000"/>
-            <a:ext cx="1181100" cy="1063206"/>
-          </a:xfrm>
-          <a:prstGeom prst="rect">
-            <a:avLst/>
-          </a:prstGeom>
-        </p:spPr>
-        <p:style>
-          <a:lnRef idx="1">
-            <a:schemeClr val="accent1"/>
-          </a:lnRef>
-          <a:fillRef idx="2">
-            <a:schemeClr val="accent1"/>
-          </a:fillRef>
-          <a:effectRef idx="1">
-            <a:schemeClr val="accent1"/>
-          </a:effectRef>
-          <a:fontRef idx="minor">
-            <a:schemeClr val="dk1"/>
-          </a:fontRef>
-        </p:style>
-        <p:txBody>
-          <a:bodyPr rtlCol="0" anchor="ctr"/>
-          <a:lstStyle/>
-          <a:p>
-            <a:pPr algn="ctr"/>
-            <a:r>
-              <a:rPr lang="en-US" altLang="zh-CN" dirty="0" smtClean="0"/>
-              <a:t>G/L Balance</a:t>
-            </a:r>
-            <a:endParaRPr lang="en-US" dirty="0"/>
-          </a:p>
-        </p:txBody>
-      </p:sp>
-      <p:cxnSp>
-        <p:nvCxnSpPr>
-          <p:cNvPr id="29" name="Elbow Connector 28"/>
-          <p:cNvCxnSpPr>
-            <a:stCxn id="7" idx="2"/>
-            <a:endCxn id="26" idx="3"/>
-          </p:cNvCxnSpPr>
-          <p:nvPr/>
-        </p:nvCxnSpPr>
-        <p:spPr>
-          <a:xfrm rot="5400000" flipH="1">
-            <a:off x="4294876" y="3704327"/>
-            <a:ext cx="1601997" cy="1352550"/>
-          </a:xfrm>
-          <a:prstGeom prst="bentConnector4">
-            <a:avLst>
-              <a:gd name="adj1" fmla="val -14270"/>
-              <a:gd name="adj2" fmla="val 71831"/>
-            </a:avLst>
-          </a:prstGeom>
-          <a:ln>
-            <a:tailEnd type="arrow"/>
-          </a:ln>
-        </p:spPr>
-        <p:style>
-          <a:lnRef idx="2">
-            <a:schemeClr val="dk1"/>
-          </a:lnRef>
-          <a:fillRef idx="0">
-            <a:schemeClr val="dk1"/>
-          </a:fillRef>
-          <a:effectRef idx="1">
-            <a:schemeClr val="dk1"/>
-          </a:effectRef>
-          <a:fontRef idx="minor">
-            <a:schemeClr val="tx1"/>
-          </a:fontRef>
-        </p:style>
-      </p:cxnSp>
-      <p:sp>
-        <p:nvSpPr>
-          <p:cNvPr id="34" name="Rectangle 33"/>
-          <p:cNvSpPr/>
-          <p:nvPr/>
-        </p:nvSpPr>
-        <p:spPr>
-          <a:xfrm>
-            <a:off x="1066800" y="1752600"/>
-            <a:ext cx="1181100" cy="1063206"/>
-          </a:xfrm>
-          <a:prstGeom prst="rect">
-            <a:avLst/>
-          </a:prstGeom>
-        </p:spPr>
-        <p:style>
-          <a:lnRef idx="1">
-            <a:schemeClr val="accent1"/>
-          </a:lnRef>
-          <a:fillRef idx="2">
-            <a:schemeClr val="accent1"/>
-          </a:fillRef>
-          <a:effectRef idx="1">
-            <a:schemeClr val="accent1"/>
-          </a:effectRef>
-          <a:fontRef idx="minor">
-            <a:schemeClr val="dk1"/>
-          </a:fontRef>
-        </p:style>
-        <p:txBody>
-          <a:bodyPr rtlCol="0" anchor="ctr"/>
-          <a:lstStyle/>
-          <a:p>
-            <a:pPr algn="ctr"/>
-            <a:r>
-              <a:rPr lang="en-US" dirty="0" smtClean="0"/>
-              <a:t>G/L, Customer, Vendor Entry</a:t>
-            </a:r>
-            <a:endParaRPr lang="en-US" dirty="0"/>
-          </a:p>
-        </p:txBody>
-      </p:sp>
-      <p:sp>
-        <p:nvSpPr>
-          <p:cNvPr id="38" name="Rectangle 37"/>
-          <p:cNvSpPr/>
-          <p:nvPr/>
-        </p:nvSpPr>
-        <p:spPr>
-          <a:xfrm>
-            <a:off x="1066800" y="3124200"/>
-            <a:ext cx="1181100" cy="987006"/>
-          </a:xfrm>
-          <a:prstGeom prst="rect">
-            <a:avLst/>
-          </a:prstGeom>
-        </p:spPr>
-        <p:style>
-          <a:lnRef idx="1">
-            <a:schemeClr val="accent1"/>
-          </a:lnRef>
-          <a:fillRef idx="2">
-            <a:schemeClr val="accent1"/>
-          </a:fillRef>
-          <a:effectRef idx="1">
-            <a:schemeClr val="accent1"/>
-          </a:effectRef>
-          <a:fontRef idx="minor">
-            <a:schemeClr val="dk1"/>
-          </a:fontRef>
-        </p:style>
-        <p:txBody>
-          <a:bodyPr rot="0" spcFirstLastPara="0" vertOverflow="overflow" horzOverflow="overflow" vert="horz" wrap="square" lIns="91440" tIns="45720" rIns="91440" bIns="45720" numCol="1" spcCol="0" rtlCol="0" fromWordArt="0" anchor="ctr" anchorCtr="0" forceAA="0" compatLnSpc="1">
-            <a:prstTxWarp prst="textNoShape">
+        </p:grpSpPr>
+        <p:sp>
+          <p:nvSpPr>
+            <p:cNvPr id="4" name="Rectangle 3"/>
+            <p:cNvSpPr/>
+            <p:nvPr/>
+          </p:nvSpPr>
+          <p:spPr>
+            <a:xfrm>
+              <a:off x="228600" y="228600"/>
+              <a:ext cx="7620000" cy="6553200"/>
+            </a:xfrm>
+            <a:prstGeom prst="rect">
               <a:avLst/>
-            </a:prstTxWarp>
-            <a:noAutofit/>
-          </a:bodyPr>
-          <a:lstStyle/>
-          <a:p>
-            <a:pPr algn="ctr"/>
-            <a:r>
-              <a:rPr lang="en-US" dirty="0" smtClean="0"/>
-              <a:t>Reverse</a:t>
-            </a:r>
-          </a:p>
-        </p:txBody>
-      </p:sp>
-      <p:cxnSp>
-        <p:nvCxnSpPr>
-          <p:cNvPr id="39" name="Elbow Connector 38"/>
-          <p:cNvCxnSpPr>
-            <a:stCxn id="38" idx="3"/>
-            <a:endCxn id="8" idx="1"/>
-          </p:cNvCxnSpPr>
-          <p:nvPr/>
-        </p:nvCxnSpPr>
-        <p:spPr>
-          <a:xfrm flipV="1">
-            <a:off x="2247900" y="2268388"/>
-            <a:ext cx="990600" cy="1349315"/>
-          </a:xfrm>
-          <a:prstGeom prst="bentConnector3">
-            <a:avLst>
-              <a:gd name="adj1" fmla="val 50000"/>
-            </a:avLst>
-          </a:prstGeom>
-          <a:ln>
-            <a:tailEnd type="arrow"/>
-          </a:ln>
-        </p:spPr>
-        <p:style>
-          <a:lnRef idx="2">
-            <a:schemeClr val="dk1"/>
-          </a:lnRef>
-          <a:fillRef idx="0">
-            <a:schemeClr val="dk1"/>
-          </a:fillRef>
-          <a:effectRef idx="1">
-            <a:schemeClr val="dk1"/>
-          </a:effectRef>
-          <a:fontRef idx="minor">
-            <a:schemeClr val="tx1"/>
-          </a:fontRef>
-        </p:style>
-      </p:cxnSp>
-      <p:cxnSp>
-        <p:nvCxnSpPr>
-          <p:cNvPr id="43" name="Straight Arrow Connector 42"/>
-          <p:cNvCxnSpPr>
-            <a:stCxn id="34" idx="3"/>
-            <a:endCxn id="8" idx="1"/>
-          </p:cNvCxnSpPr>
-          <p:nvPr/>
-        </p:nvCxnSpPr>
-        <p:spPr>
-          <a:xfrm flipV="1">
-            <a:off x="2247900" y="2268388"/>
-            <a:ext cx="990600" cy="15815"/>
-          </a:xfrm>
-          <a:prstGeom prst="straightConnector1">
-            <a:avLst/>
-          </a:prstGeom>
-          <a:ln>
-            <a:tailEnd type="arrow"/>
-          </a:ln>
-        </p:spPr>
-        <p:style>
-          <a:lnRef idx="2">
-            <a:schemeClr val="dk1"/>
-          </a:lnRef>
-          <a:fillRef idx="0">
-            <a:schemeClr val="dk1"/>
-          </a:fillRef>
-          <a:effectRef idx="1">
-            <a:schemeClr val="dk1"/>
-          </a:effectRef>
-          <a:fontRef idx="minor">
-            <a:schemeClr val="tx1"/>
-          </a:fontRef>
-        </p:style>
-      </p:cxnSp>
-      <p:sp>
-        <p:nvSpPr>
-          <p:cNvPr id="44" name="Rectangle 43"/>
-          <p:cNvSpPr/>
-          <p:nvPr/>
-        </p:nvSpPr>
-        <p:spPr>
-          <a:xfrm>
-            <a:off x="1066800" y="4263606"/>
-            <a:ext cx="1181100" cy="987006"/>
-          </a:xfrm>
-          <a:prstGeom prst="rect">
-            <a:avLst/>
-          </a:prstGeom>
-        </p:spPr>
-        <p:style>
-          <a:lnRef idx="1">
-            <a:schemeClr val="accent1"/>
-          </a:lnRef>
-          <a:fillRef idx="2">
-            <a:schemeClr val="accent1"/>
-          </a:fillRef>
-          <a:effectRef idx="1">
-            <a:schemeClr val="accent1"/>
-          </a:effectRef>
-          <a:fontRef idx="minor">
-            <a:schemeClr val="dk1"/>
-          </a:fontRef>
-        </p:style>
-        <p:txBody>
-          <a:bodyPr rot="0" spcFirstLastPara="0" vertOverflow="overflow" horzOverflow="overflow" vert="horz" wrap="square" lIns="91440" tIns="45720" rIns="91440" bIns="45720" numCol="1" spcCol="0" rtlCol="0" fromWordArt="0" anchor="ctr" anchorCtr="0" forceAA="0" compatLnSpc="1">
-            <a:prstTxWarp prst="textNoShape">
+            </a:prstGeom>
+          </p:spPr>
+          <p:style>
+            <a:lnRef idx="2">
+              <a:schemeClr val="accent1">
+                <a:shade val="50000"/>
+              </a:schemeClr>
+            </a:lnRef>
+            <a:fillRef idx="1">
+              <a:schemeClr val="accent1"/>
+            </a:fillRef>
+            <a:effectRef idx="0">
+              <a:schemeClr val="accent1"/>
+            </a:effectRef>
+            <a:fontRef idx="minor">
+              <a:schemeClr val="lt1"/>
+            </a:fontRef>
+          </p:style>
+          <p:txBody>
+            <a:bodyPr rtlCol="0" anchor="t"/>
+            <a:lstStyle/>
+            <a:p>
+              <a:r>
+                <a:rPr lang="en-US" dirty="0" smtClean="0"/>
+                <a:t>Core Driver</a:t>
+              </a:r>
+              <a:endParaRPr lang="en-US" dirty="0"/>
+            </a:p>
+          </p:txBody>
+        </p:sp>
+        <p:grpSp>
+          <p:nvGrpSpPr>
+            <p:cNvPr id="18" name="Group 17"/>
+            <p:cNvGrpSpPr/>
+            <p:nvPr/>
+          </p:nvGrpSpPr>
+          <p:grpSpPr>
+            <a:xfrm>
+              <a:off x="381000" y="761999"/>
+              <a:ext cx="3200400" cy="3565733"/>
+              <a:chOff x="381000" y="761999"/>
+              <a:chExt cx="3200400" cy="3565733"/>
+            </a:xfrm>
+          </p:grpSpPr>
+          <p:sp>
+            <p:nvSpPr>
+              <p:cNvPr id="6" name="Rectangle 5"/>
+              <p:cNvSpPr/>
+              <p:nvPr/>
+            </p:nvSpPr>
+            <p:spPr>
+              <a:xfrm>
+                <a:off x="381000" y="761999"/>
+                <a:ext cx="3200400" cy="3565733"/>
+              </a:xfrm>
+              <a:prstGeom prst="rect">
+                <a:avLst/>
+              </a:prstGeom>
+            </p:spPr>
+            <p:style>
+              <a:lnRef idx="1">
+                <a:schemeClr val="accent5"/>
+              </a:lnRef>
+              <a:fillRef idx="2">
+                <a:schemeClr val="accent5"/>
+              </a:fillRef>
+              <a:effectRef idx="1">
+                <a:schemeClr val="accent5"/>
+              </a:effectRef>
+              <a:fontRef idx="minor">
+                <a:schemeClr val="dk1"/>
+              </a:fontRef>
+            </p:style>
+            <p:txBody>
+              <a:bodyPr rtlCol="0" anchor="t"/>
+              <a:lstStyle/>
+              <a:p>
+                <a:r>
+                  <a:rPr lang="en-US" smtClean="0"/>
+                  <a:t>Transaction </a:t>
+                </a:r>
+                <a:r>
+                  <a:rPr lang="en-US" dirty="0" smtClean="0"/>
+                  <a:t>Data Management</a:t>
+                </a:r>
+                <a:endParaRPr lang="en-US" dirty="0"/>
+              </a:p>
+            </p:txBody>
+          </p:sp>
+          <p:sp>
+            <p:nvSpPr>
+              <p:cNvPr id="44" name="Rectangle 43"/>
+              <p:cNvSpPr/>
+              <p:nvPr/>
+            </p:nvSpPr>
+            <p:spPr>
+              <a:xfrm>
+                <a:off x="457200" y="1219199"/>
+                <a:ext cx="2743200" cy="731520"/>
+              </a:xfrm>
+              <a:prstGeom prst="rect">
+                <a:avLst/>
+              </a:prstGeom>
+            </p:spPr>
+            <p:style>
+              <a:lnRef idx="1">
+                <a:schemeClr val="accent1"/>
+              </a:lnRef>
+              <a:fillRef idx="2">
+                <a:schemeClr val="accent1"/>
+              </a:fillRef>
+              <a:effectRef idx="1">
+                <a:schemeClr val="accent1"/>
+              </a:effectRef>
+              <a:fontRef idx="minor">
+                <a:schemeClr val="dk1"/>
+              </a:fontRef>
+            </p:style>
+            <p:txBody>
+              <a:bodyPr rot="0" spcFirstLastPara="0" vertOverflow="overflow" horzOverflow="overflow" vert="horz" wrap="square" lIns="91440" tIns="45720" rIns="91440" bIns="45720" numCol="1" spcCol="0" rtlCol="0" fromWordArt="0" anchor="ctr" anchorCtr="0" forceAA="0" compatLnSpc="1">
+                <a:prstTxWarp prst="textNoShape">
+                  <a:avLst/>
+                </a:prstTxWarp>
+                <a:noAutofit/>
+              </a:bodyPr>
+              <a:lstStyle/>
+              <a:p>
+                <a:pPr algn="ctr"/>
+                <a:r>
+                  <a:rPr lang="en-US" dirty="0" smtClean="0"/>
+                  <a:t>Month Ledger 2012_08</a:t>
+                </a:r>
+                <a:endParaRPr lang="en-US" dirty="0" smtClean="0"/>
+              </a:p>
+            </p:txBody>
+          </p:sp>
+          <p:sp>
+            <p:nvSpPr>
+              <p:cNvPr id="22" name="Rectangle 21"/>
+              <p:cNvSpPr/>
+              <p:nvPr/>
+            </p:nvSpPr>
+            <p:spPr>
+              <a:xfrm>
+                <a:off x="457200" y="1950719"/>
+                <a:ext cx="2743200" cy="731520"/>
+              </a:xfrm>
+              <a:prstGeom prst="rect">
+                <a:avLst/>
+              </a:prstGeom>
+            </p:spPr>
+            <p:style>
+              <a:lnRef idx="1">
+                <a:schemeClr val="accent1"/>
+              </a:lnRef>
+              <a:fillRef idx="2">
+                <a:schemeClr val="accent1"/>
+              </a:fillRef>
+              <a:effectRef idx="1">
+                <a:schemeClr val="accent1"/>
+              </a:effectRef>
+              <a:fontRef idx="minor">
+                <a:schemeClr val="dk1"/>
+              </a:fontRef>
+            </p:style>
+            <p:txBody>
+              <a:bodyPr rot="0" spcFirstLastPara="0" vertOverflow="overflow" horzOverflow="overflow" vert="horz" wrap="square" lIns="91440" tIns="45720" rIns="91440" bIns="45720" numCol="1" spcCol="0" rtlCol="0" fromWordArt="0" anchor="ctr" anchorCtr="0" forceAA="0" compatLnSpc="1">
+                <a:prstTxWarp prst="textNoShape">
+                  <a:avLst/>
+                </a:prstTxWarp>
+                <a:noAutofit/>
+              </a:bodyPr>
+              <a:lstStyle/>
+              <a:p>
+                <a:pPr algn="ctr"/>
+                <a:r>
+                  <a:rPr lang="en-US" dirty="0" smtClean="0"/>
+                  <a:t>Month Ledger 2012_09</a:t>
+                </a:r>
+                <a:endParaRPr lang="en-US" dirty="0" smtClean="0"/>
+              </a:p>
+            </p:txBody>
+          </p:sp>
+          <p:sp>
+            <p:nvSpPr>
+              <p:cNvPr id="23" name="Rectangle 22"/>
+              <p:cNvSpPr/>
+              <p:nvPr/>
+            </p:nvSpPr>
+            <p:spPr>
+              <a:xfrm>
+                <a:off x="457200" y="3412419"/>
+                <a:ext cx="2743200" cy="731520"/>
+              </a:xfrm>
+              <a:prstGeom prst="rect">
+                <a:avLst/>
+              </a:prstGeom>
+            </p:spPr>
+            <p:style>
+              <a:lnRef idx="1">
+                <a:schemeClr val="accent1"/>
+              </a:lnRef>
+              <a:fillRef idx="2">
+                <a:schemeClr val="accent1"/>
+              </a:fillRef>
+              <a:effectRef idx="1">
+                <a:schemeClr val="accent1"/>
+              </a:effectRef>
+              <a:fontRef idx="minor">
+                <a:schemeClr val="dk1"/>
+              </a:fontRef>
+            </p:style>
+            <p:txBody>
+              <a:bodyPr rot="0" spcFirstLastPara="0" vertOverflow="overflow" horzOverflow="overflow" vert="horz" wrap="square" lIns="91440" tIns="45720" rIns="91440" bIns="45720" numCol="1" spcCol="0" rtlCol="0" fromWordArt="0" anchor="ctr" anchorCtr="0" forceAA="0" compatLnSpc="1">
+                <a:prstTxWarp prst="textNoShape">
+                  <a:avLst/>
+                </a:prstTxWarp>
+                <a:noAutofit/>
+              </a:bodyPr>
+              <a:lstStyle/>
+              <a:p>
+                <a:pPr algn="ctr"/>
+                <a:r>
+                  <a:rPr lang="en-US" dirty="0" smtClean="0"/>
+                  <a:t>Month Ledger …</a:t>
+                </a:r>
+                <a:endParaRPr lang="en-US" dirty="0" smtClean="0"/>
+              </a:p>
+            </p:txBody>
+          </p:sp>
+          <p:sp>
+            <p:nvSpPr>
+              <p:cNvPr id="24" name="Rectangle 23"/>
+              <p:cNvSpPr/>
+              <p:nvPr/>
+            </p:nvSpPr>
+            <p:spPr>
+              <a:xfrm>
+                <a:off x="457200" y="2681789"/>
+                <a:ext cx="2743200" cy="731520"/>
+              </a:xfrm>
+              <a:prstGeom prst="rect">
+                <a:avLst/>
+              </a:prstGeom>
+            </p:spPr>
+            <p:style>
+              <a:lnRef idx="1">
+                <a:schemeClr val="accent1"/>
+              </a:lnRef>
+              <a:fillRef idx="2">
+                <a:schemeClr val="accent1"/>
+              </a:fillRef>
+              <a:effectRef idx="1">
+                <a:schemeClr val="accent1"/>
+              </a:effectRef>
+              <a:fontRef idx="minor">
+                <a:schemeClr val="dk1"/>
+              </a:fontRef>
+            </p:style>
+            <p:txBody>
+              <a:bodyPr rot="0" spcFirstLastPara="0" vertOverflow="overflow" horzOverflow="overflow" vert="horz" wrap="square" lIns="91440" tIns="45720" rIns="91440" bIns="45720" numCol="1" spcCol="0" rtlCol="0" fromWordArt="0" anchor="ctr" anchorCtr="0" forceAA="0" compatLnSpc="1">
+                <a:prstTxWarp prst="textNoShape">
+                  <a:avLst/>
+                </a:prstTxWarp>
+                <a:noAutofit/>
+              </a:bodyPr>
+              <a:lstStyle/>
+              <a:p>
+                <a:pPr algn="ctr"/>
+                <a:r>
+                  <a:rPr lang="en-US" dirty="0" smtClean="0"/>
+                  <a:t>Month Ledger 2012_10</a:t>
+                </a:r>
+                <a:endParaRPr lang="en-US" dirty="0" smtClean="0"/>
+              </a:p>
+            </p:txBody>
+          </p:sp>
+        </p:grpSp>
+        <p:sp>
+          <p:nvSpPr>
+            <p:cNvPr id="13" name="Down Arrow 12"/>
+            <p:cNvSpPr/>
+            <p:nvPr/>
+          </p:nvSpPr>
+          <p:spPr>
+            <a:xfrm rot="10800000">
+              <a:off x="1733187" y="4361241"/>
+              <a:ext cx="484632" cy="499890"/>
+            </a:xfrm>
+            <a:prstGeom prst="downArrow">
               <a:avLst/>
-            </a:prstTxWarp>
-            <a:noAutofit/>
-          </a:bodyPr>
-          <a:lstStyle/>
-          <a:p>
-            <a:pPr algn="ctr"/>
-            <a:r>
-              <a:rPr lang="en-US" dirty="0" smtClean="0"/>
-              <a:t>Month End Close</a:t>
-            </a:r>
-          </a:p>
-        </p:txBody>
-      </p:sp>
-      <p:cxnSp>
-        <p:nvCxnSpPr>
-          <p:cNvPr id="45" name="Elbow Connector 44"/>
-          <p:cNvCxnSpPr>
-            <a:stCxn id="44" idx="3"/>
-            <a:endCxn id="8" idx="1"/>
-          </p:cNvCxnSpPr>
-          <p:nvPr/>
-        </p:nvCxnSpPr>
-        <p:spPr>
-          <a:xfrm flipV="1">
-            <a:off x="2247900" y="2268388"/>
-            <a:ext cx="990600" cy="2488721"/>
-          </a:xfrm>
-          <a:prstGeom prst="bentConnector3">
-            <a:avLst>
-              <a:gd name="adj1" fmla="val 50000"/>
-            </a:avLst>
-          </a:prstGeom>
-          <a:ln>
-            <a:tailEnd type="arrow"/>
-          </a:ln>
-        </p:spPr>
-        <p:style>
-          <a:lnRef idx="2">
-            <a:schemeClr val="dk1"/>
-          </a:lnRef>
-          <a:fillRef idx="0">
-            <a:schemeClr val="dk1"/>
-          </a:fillRef>
-          <a:effectRef idx="1">
-            <a:schemeClr val="dk1"/>
-          </a:effectRef>
-          <a:fontRef idx="minor">
-            <a:schemeClr val="tx1"/>
-          </a:fontRef>
-        </p:style>
-      </p:cxnSp>
-      <p:cxnSp>
-        <p:nvCxnSpPr>
-          <p:cNvPr id="49" name="Elbow Connector 48"/>
-          <p:cNvCxnSpPr>
-            <a:stCxn id="26" idx="1"/>
-            <a:endCxn id="44" idx="2"/>
-          </p:cNvCxnSpPr>
-          <p:nvPr/>
-        </p:nvCxnSpPr>
-        <p:spPr>
-          <a:xfrm rot="10800000" flipV="1">
-            <a:off x="1657350" y="3579602"/>
-            <a:ext cx="1581150" cy="1671009"/>
-          </a:xfrm>
-          <a:prstGeom prst="bentConnector4">
-            <a:avLst>
-              <a:gd name="adj1" fmla="val 18231"/>
-              <a:gd name="adj2" fmla="val 113680"/>
-            </a:avLst>
-          </a:prstGeom>
-          <a:ln>
-            <a:tailEnd type="arrow"/>
-          </a:ln>
-        </p:spPr>
-        <p:style>
-          <a:lnRef idx="2">
-            <a:schemeClr val="dk1"/>
-          </a:lnRef>
-          <a:fillRef idx="0">
-            <a:schemeClr val="dk1"/>
-          </a:fillRef>
-          <a:effectRef idx="1">
-            <a:schemeClr val="dk1"/>
-          </a:effectRef>
-          <a:fontRef idx="minor">
-            <a:schemeClr val="tx1"/>
-          </a:fontRef>
-        </p:style>
-      </p:cxnSp>
+            </a:prstGeom>
+          </p:spPr>
+          <p:style>
+            <a:lnRef idx="0">
+              <a:schemeClr val="accent5"/>
+            </a:lnRef>
+            <a:fillRef idx="3">
+              <a:schemeClr val="accent5"/>
+            </a:fillRef>
+            <a:effectRef idx="3">
+              <a:schemeClr val="accent5"/>
+            </a:effectRef>
+            <a:fontRef idx="minor">
+              <a:schemeClr val="lt1"/>
+            </a:fontRef>
+          </p:style>
+          <p:txBody>
+            <a:bodyPr rtlCol="0" anchor="ctr"/>
+            <a:lstStyle/>
+            <a:p>
+              <a:pPr algn="ctr"/>
+              <a:endParaRPr lang="en-US" dirty="0" smtClean="0"/>
+            </a:p>
+          </p:txBody>
+        </p:sp>
+        <p:grpSp>
+          <p:nvGrpSpPr>
+            <p:cNvPr id="19" name="Group 18"/>
+            <p:cNvGrpSpPr/>
+            <p:nvPr/>
+          </p:nvGrpSpPr>
+          <p:grpSpPr>
+            <a:xfrm>
+              <a:off x="381000" y="4894640"/>
+              <a:ext cx="3200400" cy="1622854"/>
+              <a:chOff x="381000" y="4894640"/>
+              <a:chExt cx="3200400" cy="1622854"/>
+            </a:xfrm>
+          </p:grpSpPr>
+          <p:sp>
+            <p:nvSpPr>
+              <p:cNvPr id="5" name="Rectangle 4"/>
+              <p:cNvSpPr/>
+              <p:nvPr/>
+            </p:nvSpPr>
+            <p:spPr>
+              <a:xfrm>
+                <a:off x="381000" y="4894640"/>
+                <a:ext cx="3200400" cy="1622854"/>
+              </a:xfrm>
+              <a:prstGeom prst="rect">
+                <a:avLst/>
+              </a:prstGeom>
+            </p:spPr>
+            <p:style>
+              <a:lnRef idx="1">
+                <a:schemeClr val="accent1"/>
+              </a:lnRef>
+              <a:fillRef idx="2">
+                <a:schemeClr val="accent1"/>
+              </a:fillRef>
+              <a:effectRef idx="1">
+                <a:schemeClr val="accent1"/>
+              </a:effectRef>
+              <a:fontRef idx="minor">
+                <a:schemeClr val="dk1"/>
+              </a:fontRef>
+            </p:style>
+            <p:txBody>
+              <a:bodyPr rtlCol="0" anchor="t"/>
+              <a:lstStyle/>
+              <a:p>
+                <a:r>
+                  <a:rPr lang="en-US" dirty="0" smtClean="0"/>
+                  <a:t>Master Data Management</a:t>
+                </a:r>
+                <a:endParaRPr lang="en-US" dirty="0"/>
+              </a:p>
+            </p:txBody>
+          </p:sp>
+          <p:sp>
+            <p:nvSpPr>
+              <p:cNvPr id="30" name="Rectangle 29"/>
+              <p:cNvSpPr/>
+              <p:nvPr/>
+            </p:nvSpPr>
+            <p:spPr>
+              <a:xfrm>
+                <a:off x="457200" y="5257800"/>
+                <a:ext cx="2743200" cy="548640"/>
+              </a:xfrm>
+              <a:prstGeom prst="rect">
+                <a:avLst/>
+              </a:prstGeom>
+            </p:spPr>
+            <p:style>
+              <a:lnRef idx="1">
+                <a:schemeClr val="accent5"/>
+              </a:lnRef>
+              <a:fillRef idx="2">
+                <a:schemeClr val="accent5"/>
+              </a:fillRef>
+              <a:effectRef idx="1">
+                <a:schemeClr val="accent5"/>
+              </a:effectRef>
+              <a:fontRef idx="minor">
+                <a:schemeClr val="dk1"/>
+              </a:fontRef>
+            </p:style>
+            <p:txBody>
+              <a:bodyPr rot="0" spcFirstLastPara="0" vertOverflow="overflow" horzOverflow="overflow" vert="horz" wrap="square" lIns="91440" tIns="45720" rIns="91440" bIns="45720" numCol="1" spcCol="0" rtlCol="0" fromWordArt="0" anchor="ctr" anchorCtr="0" forceAA="0" compatLnSpc="1">
+                <a:prstTxWarp prst="textNoShape">
+                  <a:avLst/>
+                </a:prstTxWarp>
+                <a:noAutofit/>
+              </a:bodyPr>
+              <a:lstStyle/>
+              <a:p>
+                <a:pPr algn="ctr"/>
+                <a:r>
+                  <a:rPr lang="en-US" dirty="0" smtClean="0"/>
+                  <a:t>G\L Account Factory</a:t>
+                </a:r>
+                <a:endParaRPr lang="en-US" dirty="0" smtClean="0"/>
+              </a:p>
+            </p:txBody>
+          </p:sp>
+          <p:sp>
+            <p:nvSpPr>
+              <p:cNvPr id="31" name="Rectangle 30"/>
+              <p:cNvSpPr/>
+              <p:nvPr/>
+            </p:nvSpPr>
+            <p:spPr>
+              <a:xfrm>
+                <a:off x="457200" y="5806440"/>
+                <a:ext cx="2743200" cy="548640"/>
+              </a:xfrm>
+              <a:prstGeom prst="rect">
+                <a:avLst/>
+              </a:prstGeom>
+            </p:spPr>
+            <p:style>
+              <a:lnRef idx="1">
+                <a:schemeClr val="accent5"/>
+              </a:lnRef>
+              <a:fillRef idx="2">
+                <a:schemeClr val="accent5"/>
+              </a:fillRef>
+              <a:effectRef idx="1">
+                <a:schemeClr val="accent5"/>
+              </a:effectRef>
+              <a:fontRef idx="minor">
+                <a:schemeClr val="dk1"/>
+              </a:fontRef>
+            </p:style>
+            <p:txBody>
+              <a:bodyPr rot="0" spcFirstLastPara="0" vertOverflow="overflow" horzOverflow="overflow" vert="horz" wrap="square" lIns="91440" tIns="45720" rIns="91440" bIns="45720" numCol="1" spcCol="0" rtlCol="0" fromWordArt="0" anchor="ctr" anchorCtr="0" forceAA="0" compatLnSpc="1">
+                <a:prstTxWarp prst="textNoShape">
+                  <a:avLst/>
+                </a:prstTxWarp>
+                <a:noAutofit/>
+              </a:bodyPr>
+              <a:lstStyle/>
+              <a:p>
+                <a:pPr algn="ctr"/>
+                <a:r>
+                  <a:rPr lang="en-US" dirty="0" smtClean="0"/>
+                  <a:t>Factory …</a:t>
+                </a:r>
+                <a:endParaRPr lang="en-US" dirty="0" smtClean="0"/>
+              </a:p>
+            </p:txBody>
+          </p:sp>
+        </p:grpSp>
+        <p:grpSp>
+          <p:nvGrpSpPr>
+            <p:cNvPr id="27" name="Group 26"/>
+            <p:cNvGrpSpPr/>
+            <p:nvPr/>
+          </p:nvGrpSpPr>
+          <p:grpSpPr>
+            <a:xfrm>
+              <a:off x="4413012" y="761998"/>
+              <a:ext cx="3061175" cy="2819402"/>
+              <a:chOff x="4413012" y="761998"/>
+              <a:chExt cx="3061175" cy="2819402"/>
+            </a:xfrm>
+          </p:grpSpPr>
+          <p:sp>
+            <p:nvSpPr>
+              <p:cNvPr id="32" name="Rectangle 31"/>
+              <p:cNvSpPr/>
+              <p:nvPr/>
+            </p:nvSpPr>
+            <p:spPr>
+              <a:xfrm>
+                <a:off x="4413012" y="761998"/>
+                <a:ext cx="3061175" cy="2819402"/>
+              </a:xfrm>
+              <a:prstGeom prst="rect">
+                <a:avLst/>
+              </a:prstGeom>
+            </p:spPr>
+            <p:style>
+              <a:lnRef idx="1">
+                <a:schemeClr val="accent4"/>
+              </a:lnRef>
+              <a:fillRef idx="2">
+                <a:schemeClr val="accent4"/>
+              </a:fillRef>
+              <a:effectRef idx="1">
+                <a:schemeClr val="accent4"/>
+              </a:effectRef>
+              <a:fontRef idx="minor">
+                <a:schemeClr val="dk1"/>
+              </a:fontRef>
+            </p:style>
+            <p:txBody>
+              <a:bodyPr rtlCol="0" anchor="t"/>
+              <a:lstStyle/>
+              <a:p>
+                <a:r>
+                  <a:rPr lang="en-US" dirty="0" smtClean="0"/>
+                  <a:t>Entry Template </a:t>
+                </a:r>
+                <a:r>
+                  <a:rPr lang="en-US" dirty="0" smtClean="0"/>
+                  <a:t>Management</a:t>
+                </a:r>
+                <a:endParaRPr lang="en-US" dirty="0"/>
+              </a:p>
+            </p:txBody>
+          </p:sp>
+          <p:sp>
+            <p:nvSpPr>
+              <p:cNvPr id="33" name="Rectangle 32"/>
+              <p:cNvSpPr/>
+              <p:nvPr/>
+            </p:nvSpPr>
+            <p:spPr>
+              <a:xfrm>
+                <a:off x="4554196" y="1143000"/>
+                <a:ext cx="2743200" cy="548640"/>
+              </a:xfrm>
+              <a:prstGeom prst="rect">
+                <a:avLst/>
+              </a:prstGeom>
+            </p:spPr>
+            <p:style>
+              <a:lnRef idx="1">
+                <a:schemeClr val="accent1"/>
+              </a:lnRef>
+              <a:fillRef idx="2">
+                <a:schemeClr val="accent1"/>
+              </a:fillRef>
+              <a:effectRef idx="1">
+                <a:schemeClr val="accent1"/>
+              </a:effectRef>
+              <a:fontRef idx="minor">
+                <a:schemeClr val="dk1"/>
+              </a:fontRef>
+            </p:style>
+            <p:txBody>
+              <a:bodyPr rot="0" spcFirstLastPara="0" vertOverflow="overflow" horzOverflow="overflow" vert="horz" wrap="square" lIns="91440" tIns="45720" rIns="91440" bIns="45720" numCol="1" spcCol="0" rtlCol="0" fromWordArt="0" anchor="ctr" anchorCtr="0" forceAA="0" compatLnSpc="1">
+                <a:prstTxWarp prst="textNoShape">
+                  <a:avLst/>
+                </a:prstTxWarp>
+                <a:noAutofit/>
+              </a:bodyPr>
+              <a:lstStyle/>
+              <a:p>
+                <a:pPr algn="ctr"/>
+                <a:r>
+                  <a:rPr lang="en-US" dirty="0" smtClean="0"/>
+                  <a:t>Outgoing Entry</a:t>
+                </a:r>
+                <a:endParaRPr lang="en-US" dirty="0" smtClean="0"/>
+              </a:p>
+            </p:txBody>
+          </p:sp>
+          <p:sp>
+            <p:nvSpPr>
+              <p:cNvPr id="35" name="Rectangle 34"/>
+              <p:cNvSpPr/>
+              <p:nvPr/>
+            </p:nvSpPr>
+            <p:spPr>
+              <a:xfrm>
+                <a:off x="4554196" y="1692210"/>
+                <a:ext cx="2743200" cy="548640"/>
+              </a:xfrm>
+              <a:prstGeom prst="rect">
+                <a:avLst/>
+              </a:prstGeom>
+            </p:spPr>
+            <p:style>
+              <a:lnRef idx="1">
+                <a:schemeClr val="accent1"/>
+              </a:lnRef>
+              <a:fillRef idx="2">
+                <a:schemeClr val="accent1"/>
+              </a:fillRef>
+              <a:effectRef idx="1">
+                <a:schemeClr val="accent1"/>
+              </a:effectRef>
+              <a:fontRef idx="minor">
+                <a:schemeClr val="dk1"/>
+              </a:fontRef>
+            </p:style>
+            <p:txBody>
+              <a:bodyPr rot="0" spcFirstLastPara="0" vertOverflow="overflow" horzOverflow="overflow" vert="horz" wrap="square" lIns="91440" tIns="45720" rIns="91440" bIns="45720" numCol="1" spcCol="0" rtlCol="0" fromWordArt="0" anchor="ctr" anchorCtr="0" forceAA="0" compatLnSpc="1">
+                <a:prstTxWarp prst="textNoShape">
+                  <a:avLst/>
+                </a:prstTxWarp>
+                <a:noAutofit/>
+              </a:bodyPr>
+              <a:lstStyle/>
+              <a:p>
+                <a:pPr algn="ctr"/>
+                <a:r>
+                  <a:rPr lang="en-US" dirty="0" smtClean="0"/>
+                  <a:t>Incoming Entry</a:t>
+                </a:r>
+                <a:endParaRPr lang="en-US" dirty="0" smtClean="0"/>
+              </a:p>
+            </p:txBody>
+          </p:sp>
+          <p:sp>
+            <p:nvSpPr>
+              <p:cNvPr id="36" name="Rectangle 35"/>
+              <p:cNvSpPr/>
+              <p:nvPr/>
+            </p:nvSpPr>
+            <p:spPr>
+              <a:xfrm>
+                <a:off x="4558469" y="2240850"/>
+                <a:ext cx="2743200" cy="548640"/>
+              </a:xfrm>
+              <a:prstGeom prst="rect">
+                <a:avLst/>
+              </a:prstGeom>
+            </p:spPr>
+            <p:style>
+              <a:lnRef idx="1">
+                <a:schemeClr val="accent1"/>
+              </a:lnRef>
+              <a:fillRef idx="2">
+                <a:schemeClr val="accent1"/>
+              </a:fillRef>
+              <a:effectRef idx="1">
+                <a:schemeClr val="accent1"/>
+              </a:effectRef>
+              <a:fontRef idx="minor">
+                <a:schemeClr val="dk1"/>
+              </a:fontRef>
+            </p:style>
+            <p:txBody>
+              <a:bodyPr rot="0" spcFirstLastPara="0" vertOverflow="overflow" horzOverflow="overflow" vert="horz" wrap="square" lIns="91440" tIns="45720" rIns="91440" bIns="45720" numCol="1" spcCol="0" rtlCol="0" fromWordArt="0" anchor="ctr" anchorCtr="0" forceAA="0" compatLnSpc="1">
+                <a:prstTxWarp prst="textNoShape">
+                  <a:avLst/>
+                </a:prstTxWarp>
+                <a:noAutofit/>
+              </a:bodyPr>
+              <a:lstStyle/>
+              <a:p>
+                <a:pPr algn="ctr"/>
+                <a:r>
+                  <a:rPr lang="en-US" dirty="0" smtClean="0"/>
+                  <a:t>Internal Entry</a:t>
+                </a:r>
+                <a:endParaRPr lang="en-US" dirty="0" smtClean="0"/>
+              </a:p>
+            </p:txBody>
+          </p:sp>
+          <p:sp>
+            <p:nvSpPr>
+              <p:cNvPr id="37" name="Rectangle 36"/>
+              <p:cNvSpPr/>
+              <p:nvPr/>
+            </p:nvSpPr>
+            <p:spPr>
+              <a:xfrm>
+                <a:off x="4554196" y="2789490"/>
+                <a:ext cx="2743200" cy="548640"/>
+              </a:xfrm>
+              <a:prstGeom prst="rect">
+                <a:avLst/>
+              </a:prstGeom>
+            </p:spPr>
+            <p:style>
+              <a:lnRef idx="1">
+                <a:schemeClr val="accent1"/>
+              </a:lnRef>
+              <a:fillRef idx="2">
+                <a:schemeClr val="accent1"/>
+              </a:fillRef>
+              <a:effectRef idx="1">
+                <a:schemeClr val="accent1"/>
+              </a:effectRef>
+              <a:fontRef idx="minor">
+                <a:schemeClr val="dk1"/>
+              </a:fontRef>
+            </p:style>
+            <p:txBody>
+              <a:bodyPr rot="0" spcFirstLastPara="0" vertOverflow="overflow" horzOverflow="overflow" vert="horz" wrap="square" lIns="91440" tIns="45720" rIns="91440" bIns="45720" numCol="1" spcCol="0" rtlCol="0" fromWordArt="0" anchor="ctr" anchorCtr="0" forceAA="0" compatLnSpc="1">
+                <a:prstTxWarp prst="textNoShape">
+                  <a:avLst/>
+                </a:prstTxWarp>
+                <a:noAutofit/>
+              </a:bodyPr>
+              <a:lstStyle/>
+              <a:p>
+                <a:pPr algn="ctr"/>
+                <a:r>
+                  <a:rPr lang="en-US" dirty="0" smtClean="0"/>
+                  <a:t>Other Entries …</a:t>
+                </a:r>
+                <a:endParaRPr lang="en-US" dirty="0" smtClean="0"/>
+              </a:p>
+            </p:txBody>
+          </p:sp>
+        </p:grpSp>
+        <p:sp>
+          <p:nvSpPr>
+            <p:cNvPr id="14" name="Right Arrow 13"/>
+            <p:cNvSpPr/>
+            <p:nvPr/>
+          </p:nvSpPr>
+          <p:spPr>
+            <a:xfrm>
+              <a:off x="3733800" y="2171699"/>
+              <a:ext cx="533400" cy="510090"/>
+            </a:xfrm>
+            <a:prstGeom prst="rightArrow">
+              <a:avLst/>
+            </a:prstGeom>
+          </p:spPr>
+          <p:style>
+            <a:lnRef idx="0">
+              <a:schemeClr val="accent5"/>
+            </a:lnRef>
+            <a:fillRef idx="3">
+              <a:schemeClr val="accent5"/>
+            </a:fillRef>
+            <a:effectRef idx="3">
+              <a:schemeClr val="accent5"/>
+            </a:effectRef>
+            <a:fontRef idx="minor">
+              <a:schemeClr val="lt1"/>
+            </a:fontRef>
+          </p:style>
+          <p:txBody>
+            <a:bodyPr rtlCol="0" anchor="ctr"/>
+            <a:lstStyle/>
+            <a:p>
+              <a:pPr algn="ctr"/>
+              <a:endParaRPr lang="en-US" dirty="0" smtClean="0"/>
+            </a:p>
+          </p:txBody>
+        </p:sp>
+        <p:sp>
+          <p:nvSpPr>
+            <p:cNvPr id="42" name="Right Arrow 41"/>
+            <p:cNvSpPr/>
+            <p:nvPr/>
+          </p:nvSpPr>
+          <p:spPr>
+            <a:xfrm rot="2004834">
+              <a:off x="3669147" y="4307274"/>
+              <a:ext cx="774148" cy="510090"/>
+            </a:xfrm>
+            <a:prstGeom prst="rightArrow">
+              <a:avLst/>
+            </a:prstGeom>
+          </p:spPr>
+          <p:style>
+            <a:lnRef idx="0">
+              <a:schemeClr val="accent5"/>
+            </a:lnRef>
+            <a:fillRef idx="3">
+              <a:schemeClr val="accent5"/>
+            </a:fillRef>
+            <a:effectRef idx="3">
+              <a:schemeClr val="accent5"/>
+            </a:effectRef>
+            <a:fontRef idx="minor">
+              <a:schemeClr val="lt1"/>
+            </a:fontRef>
+          </p:style>
+          <p:txBody>
+            <a:bodyPr rtlCol="0" anchor="ctr"/>
+            <a:lstStyle/>
+            <a:p>
+              <a:pPr algn="ctr"/>
+              <a:endParaRPr lang="en-US" dirty="0" smtClean="0"/>
+            </a:p>
+          </p:txBody>
+        </p:sp>
+        <p:sp>
+          <p:nvSpPr>
+            <p:cNvPr id="47" name="Rectangle 46"/>
+            <p:cNvSpPr/>
+            <p:nvPr/>
+          </p:nvSpPr>
+          <p:spPr>
+            <a:xfrm>
+              <a:off x="4547236" y="4703973"/>
+              <a:ext cx="2743200" cy="548640"/>
+            </a:xfrm>
+            <a:prstGeom prst="rect">
+              <a:avLst/>
+            </a:prstGeom>
+          </p:spPr>
+          <p:style>
+            <a:lnRef idx="1">
+              <a:schemeClr val="accent1"/>
+            </a:lnRef>
+            <a:fillRef idx="2">
+              <a:schemeClr val="accent1"/>
+            </a:fillRef>
+            <a:effectRef idx="1">
+              <a:schemeClr val="accent1"/>
+            </a:effectRef>
+            <a:fontRef idx="minor">
+              <a:schemeClr val="dk1"/>
+            </a:fontRef>
+          </p:style>
+          <p:txBody>
+            <a:bodyPr rot="0" spcFirstLastPara="0" vertOverflow="overflow" horzOverflow="overflow" vert="horz" wrap="square" lIns="91440" tIns="45720" rIns="91440" bIns="45720" numCol="1" spcCol="0" rtlCol="0" fromWordArt="0" anchor="ctr" anchorCtr="0" forceAA="0" compatLnSpc="1">
+              <a:prstTxWarp prst="textNoShape">
+                <a:avLst/>
+              </a:prstTxWarp>
+              <a:noAutofit/>
+            </a:bodyPr>
+            <a:lstStyle/>
+            <a:p>
+              <a:pPr algn="ctr"/>
+              <a:r>
+                <a:rPr lang="en-US" dirty="0" smtClean="0"/>
+                <a:t>Investment Account 2</a:t>
+              </a:r>
+              <a:endParaRPr lang="en-US" dirty="0" smtClean="0"/>
+            </a:p>
+          </p:txBody>
+        </p:sp>
+        <p:grpSp>
+          <p:nvGrpSpPr>
+            <p:cNvPr id="25" name="Group 24"/>
+            <p:cNvGrpSpPr/>
+            <p:nvPr/>
+          </p:nvGrpSpPr>
+          <p:grpSpPr>
+            <a:xfrm>
+              <a:off x="4415861" y="3736125"/>
+              <a:ext cx="3061175" cy="2283675"/>
+              <a:chOff x="4415861" y="3736125"/>
+              <a:chExt cx="3061175" cy="2283675"/>
+            </a:xfrm>
+          </p:grpSpPr>
+          <p:sp>
+            <p:nvSpPr>
+              <p:cNvPr id="41" name="Rectangle 40"/>
+              <p:cNvSpPr/>
+              <p:nvPr/>
+            </p:nvSpPr>
+            <p:spPr>
+              <a:xfrm>
+                <a:off x="4415861" y="3736125"/>
+                <a:ext cx="3061175" cy="2283675"/>
+              </a:xfrm>
+              <a:prstGeom prst="rect">
+                <a:avLst/>
+              </a:prstGeom>
+            </p:spPr>
+            <p:style>
+              <a:lnRef idx="1">
+                <a:schemeClr val="accent4"/>
+              </a:lnRef>
+              <a:fillRef idx="2">
+                <a:schemeClr val="accent4"/>
+              </a:fillRef>
+              <a:effectRef idx="1">
+                <a:schemeClr val="accent4"/>
+              </a:effectRef>
+              <a:fontRef idx="minor">
+                <a:schemeClr val="dk1"/>
+              </a:fontRef>
+            </p:style>
+            <p:txBody>
+              <a:bodyPr rtlCol="0" anchor="t"/>
+              <a:lstStyle/>
+              <a:p>
+                <a:r>
+                  <a:rPr lang="en-US" dirty="0" smtClean="0"/>
+                  <a:t>Investment </a:t>
+                </a:r>
+                <a:r>
+                  <a:rPr lang="en-US" dirty="0" smtClean="0"/>
+                  <a:t>Management</a:t>
+                </a:r>
+                <a:endParaRPr lang="en-US" dirty="0"/>
+              </a:p>
+            </p:txBody>
+          </p:sp>
+          <p:sp>
+            <p:nvSpPr>
+              <p:cNvPr id="46" name="Rectangle 45"/>
+              <p:cNvSpPr/>
+              <p:nvPr/>
+            </p:nvSpPr>
+            <p:spPr>
+              <a:xfrm>
+                <a:off x="4548499" y="4155333"/>
+                <a:ext cx="2743200" cy="548640"/>
+              </a:xfrm>
+              <a:prstGeom prst="rect">
+                <a:avLst/>
+              </a:prstGeom>
+            </p:spPr>
+            <p:style>
+              <a:lnRef idx="1">
+                <a:schemeClr val="accent1"/>
+              </a:lnRef>
+              <a:fillRef idx="2">
+                <a:schemeClr val="accent1"/>
+              </a:fillRef>
+              <a:effectRef idx="1">
+                <a:schemeClr val="accent1"/>
+              </a:effectRef>
+              <a:fontRef idx="minor">
+                <a:schemeClr val="dk1"/>
+              </a:fontRef>
+            </p:style>
+            <p:txBody>
+              <a:bodyPr rot="0" spcFirstLastPara="0" vertOverflow="overflow" horzOverflow="overflow" vert="horz" wrap="square" lIns="91440" tIns="45720" rIns="91440" bIns="45720" numCol="1" spcCol="0" rtlCol="0" fromWordArt="0" anchor="ctr" anchorCtr="0" forceAA="0" compatLnSpc="1">
+                <a:prstTxWarp prst="textNoShape">
+                  <a:avLst/>
+                </a:prstTxWarp>
+                <a:noAutofit/>
+              </a:bodyPr>
+              <a:lstStyle/>
+              <a:p>
+                <a:pPr algn="ctr"/>
+                <a:r>
+                  <a:rPr lang="en-US" dirty="0" smtClean="0"/>
+                  <a:t>Investment Account 1</a:t>
+                </a:r>
+                <a:endParaRPr lang="en-US" dirty="0" smtClean="0"/>
+              </a:p>
+            </p:txBody>
+          </p:sp>
+          <p:sp>
+            <p:nvSpPr>
+              <p:cNvPr id="48" name="Rectangle 47"/>
+              <p:cNvSpPr/>
+              <p:nvPr/>
+            </p:nvSpPr>
+            <p:spPr>
+              <a:xfrm>
+                <a:off x="4547236" y="5257800"/>
+                <a:ext cx="2743200" cy="548640"/>
+              </a:xfrm>
+              <a:prstGeom prst="rect">
+                <a:avLst/>
+              </a:prstGeom>
+            </p:spPr>
+            <p:style>
+              <a:lnRef idx="1">
+                <a:schemeClr val="accent1"/>
+              </a:lnRef>
+              <a:fillRef idx="2">
+                <a:schemeClr val="accent1"/>
+              </a:fillRef>
+              <a:effectRef idx="1">
+                <a:schemeClr val="accent1"/>
+              </a:effectRef>
+              <a:fontRef idx="minor">
+                <a:schemeClr val="dk1"/>
+              </a:fontRef>
+            </p:style>
+            <p:txBody>
+              <a:bodyPr rot="0" spcFirstLastPara="0" vertOverflow="overflow" horzOverflow="overflow" vert="horz" wrap="square" lIns="91440" tIns="45720" rIns="91440" bIns="45720" numCol="1" spcCol="0" rtlCol="0" fromWordArt="0" anchor="ctr" anchorCtr="0" forceAA="0" compatLnSpc="1">
+                <a:prstTxWarp prst="textNoShape">
+                  <a:avLst/>
+                </a:prstTxWarp>
+                <a:noAutofit/>
+              </a:bodyPr>
+              <a:lstStyle/>
+              <a:p>
+                <a:pPr algn="ctr"/>
+                <a:r>
+                  <a:rPr lang="en-US" dirty="0" smtClean="0"/>
+                  <a:t>Investment Account …</a:t>
+                </a:r>
+                <a:endParaRPr lang="en-US" dirty="0" smtClean="0"/>
+              </a:p>
+            </p:txBody>
+          </p:sp>
+        </p:grpSp>
+      </p:grpSp>
     </p:spTree>
     <p:extLst>
       <p:ext uri="{BB962C8B-B14F-4D97-AF65-F5344CB8AC3E}">
